--- a/presentation.pptx
+++ b/presentation.pptx
@@ -4239,8 +4239,10 @@
       </p:grpSpPr>
       <p:pic>
         <p:nvPicPr>
-          <p:cNvPr id="5" name="image1.jpg"/>
-          <p:cNvPicPr/>
+          <p:cNvPr id="12290" name="Picture 2" descr="C:\Users\Lenovo\Downloads\simulation_1(1).png"/>
+          <p:cNvPicPr>
+            <a:picLocks noChangeAspect="1" noChangeArrowheads="1"/>
+          </p:cNvPicPr>
           <p:nvPr/>
         </p:nvPicPr>
         <p:blipFill>
@@ -4250,15 +4252,15 @@
             <a:fillRect/>
           </a:stretch>
         </p:blipFill>
-        <p:spPr>
+        <p:spPr bwMode="auto">
           <a:xfrm>
-            <a:off x="519790" y="88635"/>
-            <a:ext cx="8012650" cy="4931388"/>
+            <a:off x="683568" y="195486"/>
+            <a:ext cx="7729091" cy="4713110"/>
           </a:xfrm>
           <a:prstGeom prst="rect">
             <a:avLst/>
           </a:prstGeom>
-          <a:ln/>
+          <a:noFill/>
         </p:spPr>
       </p:pic>
       <p:sp>
@@ -4295,7 +4297,7 @@
           <a:bodyPr/>
           <a:lstStyle/>
           <a:p>
-            <a:endParaRPr lang="ru-RU"/>
+            <a:endParaRPr lang="ru-RU" dirty="0"/>
           </a:p>
         </p:txBody>
       </p:sp>
@@ -4472,6 +4474,13 @@
   <p:clrMapOvr>
     <a:masterClrMapping/>
   </p:clrMapOvr>
+  <p:timing>
+    <p:tnLst>
+      <p:par>
+        <p:cTn id="1" dur="indefinite" restart="never" nodeType="tmRoot"/>
+      </p:par>
+    </p:tnLst>
+  </p:timing>
 </p:sld>
 </file>
 

--- a/presentation.pptx
+++ b/presentation.pptx
@@ -207,7 +207,8 @@
           <a:p>
             <a:fld id="{FC4C7484-A978-4228-928A-7BEE3E9B3761}" type="datetimeFigureOut">
               <a:rPr lang="ru-RU" smtClean="0"/>
-              <a:t>12.11.2019</a:t>
+              <a:pPr/>
+              <a:t>13.11.2019</a:t>
             </a:fld>
             <a:endParaRPr lang="ru-RU"/>
           </a:p>
@@ -368,6 +369,7 @@
           <a:p>
             <a:fld id="{57F70759-3B09-4FE5-98F8-68BBA2508F41}" type="slidenum">
               <a:rPr lang="ru-RU" smtClean="0"/>
+              <a:pPr/>
               <a:t>‹#›</a:t>
             </a:fld>
             <a:endParaRPr lang="ru-RU"/>
@@ -544,6 +546,7 @@
           <a:p>
             <a:fld id="{57F70759-3B09-4FE5-98F8-68BBA2508F41}" type="slidenum">
               <a:rPr lang="ru-RU" smtClean="0"/>
+              <a:pPr/>
               <a:t>2</a:t>
             </a:fld>
             <a:endParaRPr lang="ru-RU"/>
@@ -739,7 +742,8 @@
           <a:p>
             <a:fld id="{1C48ADC7-6284-4563-A53C-8C801AB1E89B}" type="datetime1">
               <a:rPr lang="ru-RU" smtClean="0"/>
-              <a:t>12.11.2019</a:t>
+              <a:pPr/>
+              <a:t>13.11.2019</a:t>
             </a:fld>
             <a:endParaRPr lang="ru-RU"/>
           </a:p>
@@ -781,6 +785,7 @@
           <a:p>
             <a:fld id="{CF8BA92F-384F-4CC9-95B3-CAC823A31A13}" type="slidenum">
               <a:rPr lang="ru-RU" smtClean="0"/>
+              <a:pPr/>
               <a:t>‹#›</a:t>
             </a:fld>
             <a:endParaRPr lang="ru-RU"/>
@@ -904,7 +909,8 @@
           <a:p>
             <a:fld id="{7DC3E7C5-BD2E-4374-9AE9-6F406573A3F6}" type="datetime1">
               <a:rPr lang="ru-RU" smtClean="0"/>
-              <a:t>12.11.2019</a:t>
+              <a:pPr/>
+              <a:t>13.11.2019</a:t>
             </a:fld>
             <a:endParaRPr lang="ru-RU"/>
           </a:p>
@@ -946,6 +952,7 @@
           <a:p>
             <a:fld id="{CF8BA92F-384F-4CC9-95B3-CAC823A31A13}" type="slidenum">
               <a:rPr lang="ru-RU" smtClean="0"/>
+              <a:pPr/>
               <a:t>‹#›</a:t>
             </a:fld>
             <a:endParaRPr lang="ru-RU"/>
@@ -1079,7 +1086,8 @@
           <a:p>
             <a:fld id="{E8BE84D2-797E-4840-9869-3727362FABF0}" type="datetime1">
               <a:rPr lang="ru-RU" smtClean="0"/>
-              <a:t>12.11.2019</a:t>
+              <a:pPr/>
+              <a:t>13.11.2019</a:t>
             </a:fld>
             <a:endParaRPr lang="ru-RU"/>
           </a:p>
@@ -1121,6 +1129,7 @@
           <a:p>
             <a:fld id="{CF8BA92F-384F-4CC9-95B3-CAC823A31A13}" type="slidenum">
               <a:rPr lang="ru-RU" smtClean="0"/>
+              <a:pPr/>
               <a:t>‹#›</a:t>
             </a:fld>
             <a:endParaRPr lang="ru-RU"/>
@@ -1244,7 +1253,8 @@
           <a:p>
             <a:fld id="{2DA0F686-D3B8-4DB8-86AF-2412A36A9BCA}" type="datetime1">
               <a:rPr lang="ru-RU" smtClean="0"/>
-              <a:t>12.11.2019</a:t>
+              <a:pPr/>
+              <a:t>13.11.2019</a:t>
             </a:fld>
             <a:endParaRPr lang="ru-RU"/>
           </a:p>
@@ -1495,7 +1505,8 @@
           <a:p>
             <a:fld id="{685FBB0C-073D-42FE-9C0C-D44F87DD1C8C}" type="datetime1">
               <a:rPr lang="ru-RU" smtClean="0"/>
-              <a:t>12.11.2019</a:t>
+              <a:pPr/>
+              <a:t>13.11.2019</a:t>
             </a:fld>
             <a:endParaRPr lang="ru-RU"/>
           </a:p>
@@ -1537,6 +1548,7 @@
           <a:p>
             <a:fld id="{CF8BA92F-384F-4CC9-95B3-CAC823A31A13}" type="slidenum">
               <a:rPr lang="ru-RU" smtClean="0"/>
+              <a:pPr/>
               <a:t>‹#›</a:t>
             </a:fld>
             <a:endParaRPr lang="ru-RU"/>
@@ -1778,7 +1790,8 @@
           <a:p>
             <a:fld id="{6D5C234A-9CA2-4B5E-A067-2EAA5819AEB0}" type="datetime1">
               <a:rPr lang="ru-RU" smtClean="0"/>
-              <a:t>12.11.2019</a:t>
+              <a:pPr/>
+              <a:t>13.11.2019</a:t>
             </a:fld>
             <a:endParaRPr lang="ru-RU"/>
           </a:p>
@@ -1820,6 +1833,7 @@
           <a:p>
             <a:fld id="{CF8BA92F-384F-4CC9-95B3-CAC823A31A13}" type="slidenum">
               <a:rPr lang="ru-RU" smtClean="0"/>
+              <a:pPr/>
               <a:t>‹#›</a:t>
             </a:fld>
             <a:endParaRPr lang="ru-RU"/>
@@ -2195,7 +2209,8 @@
           <a:p>
             <a:fld id="{AF592190-F8CA-42E7-B736-BAD7F3246283}" type="datetime1">
               <a:rPr lang="ru-RU" smtClean="0"/>
-              <a:t>12.11.2019</a:t>
+              <a:pPr/>
+              <a:t>13.11.2019</a:t>
             </a:fld>
             <a:endParaRPr lang="ru-RU"/>
           </a:p>
@@ -2237,6 +2252,7 @@
           <a:p>
             <a:fld id="{CF8BA92F-384F-4CC9-95B3-CAC823A31A13}" type="slidenum">
               <a:rPr lang="ru-RU" smtClean="0"/>
+              <a:pPr/>
               <a:t>‹#›</a:t>
             </a:fld>
             <a:endParaRPr lang="ru-RU"/>
@@ -2308,7 +2324,8 @@
           <a:p>
             <a:fld id="{21CFE62A-C266-4BC2-B5C3-C25626D8874C}" type="datetime1">
               <a:rPr lang="ru-RU" smtClean="0"/>
-              <a:t>12.11.2019</a:t>
+              <a:pPr/>
+              <a:t>13.11.2019</a:t>
             </a:fld>
             <a:endParaRPr lang="ru-RU"/>
           </a:p>
@@ -2350,6 +2367,7 @@
           <a:p>
             <a:fld id="{CF8BA92F-384F-4CC9-95B3-CAC823A31A13}" type="slidenum">
               <a:rPr lang="ru-RU" smtClean="0"/>
+              <a:pPr/>
               <a:t>‹#›</a:t>
             </a:fld>
             <a:endParaRPr lang="ru-RU"/>
@@ -2398,7 +2416,8 @@
           <a:p>
             <a:fld id="{4C8739B2-4332-4B3A-B293-870BC0DA1E91}" type="datetime1">
               <a:rPr lang="ru-RU" smtClean="0"/>
-              <a:t>12.11.2019</a:t>
+              <a:pPr/>
+              <a:t>13.11.2019</a:t>
             </a:fld>
             <a:endParaRPr lang="ru-RU"/>
           </a:p>
@@ -2440,6 +2459,7 @@
           <a:p>
             <a:fld id="{CF8BA92F-384F-4CC9-95B3-CAC823A31A13}" type="slidenum">
               <a:rPr lang="ru-RU" smtClean="0"/>
+              <a:pPr/>
               <a:t>‹#›</a:t>
             </a:fld>
             <a:endParaRPr lang="ru-RU"/>
@@ -2670,7 +2690,8 @@
           <a:p>
             <a:fld id="{658AD996-0705-4515-8E87-11DDA260570B}" type="datetime1">
               <a:rPr lang="ru-RU" smtClean="0"/>
-              <a:t>12.11.2019</a:t>
+              <a:pPr/>
+              <a:t>13.11.2019</a:t>
             </a:fld>
             <a:endParaRPr lang="ru-RU"/>
           </a:p>
@@ -2712,6 +2733,7 @@
           <a:p>
             <a:fld id="{CF8BA92F-384F-4CC9-95B3-CAC823A31A13}" type="slidenum">
               <a:rPr lang="ru-RU" smtClean="0"/>
+              <a:pPr/>
               <a:t>‹#›</a:t>
             </a:fld>
             <a:endParaRPr lang="ru-RU"/>
@@ -2918,7 +2940,8 @@
           <a:p>
             <a:fld id="{4586EB43-EF2F-4D6F-8CAB-0790E0CAE656}" type="datetime1">
               <a:rPr lang="ru-RU" smtClean="0"/>
-              <a:t>12.11.2019</a:t>
+              <a:pPr/>
+              <a:t>13.11.2019</a:t>
             </a:fld>
             <a:endParaRPr lang="ru-RU"/>
           </a:p>
@@ -2960,6 +2983,7 @@
           <a:p>
             <a:fld id="{CF8BA92F-384F-4CC9-95B3-CAC823A31A13}" type="slidenum">
               <a:rPr lang="ru-RU" smtClean="0"/>
+              <a:pPr/>
               <a:t>‹#›</a:t>
             </a:fld>
             <a:endParaRPr lang="ru-RU"/>
@@ -3126,7 +3150,8 @@
           <a:p>
             <a:fld id="{F0B1AFF6-565C-4119-BE90-8A13757FD619}" type="datetime1">
               <a:rPr lang="ru-RU" smtClean="0"/>
-              <a:t>12.11.2019</a:t>
+              <a:pPr/>
+              <a:t>13.11.2019</a:t>
             </a:fld>
             <a:endParaRPr lang="ru-RU"/>
           </a:p>
@@ -3204,6 +3229,7 @@
           <a:p>
             <a:fld id="{CF8BA92F-384F-4CC9-95B3-CAC823A31A13}" type="slidenum">
               <a:rPr lang="ru-RU" smtClean="0"/>
+              <a:pPr/>
               <a:t>‹#›</a:t>
             </a:fld>
             <a:endParaRPr lang="ru-RU"/>
@@ -3559,7 +3585,7 @@
           <a:p>
             <a:r>
               <a:rPr lang="en-US" dirty="0" smtClean="0"/>
-              <a:t>V.I. </a:t>
+              <a:t>V.V. </a:t>
             </a:r>
             <a:r>
               <a:rPr lang="en-US" dirty="0" err="1" smtClean="0"/>
@@ -4581,6 +4607,7 @@
           <a:p>
             <a:fld id="{CF8BA92F-384F-4CC9-95B3-CAC823A31A13}" type="slidenum">
               <a:rPr lang="ru-RU" smtClean="0"/>
+              <a:pPr/>
               <a:t>2</a:t>
             </a:fld>
             <a:endParaRPr lang="ru-RU" dirty="0"/>
@@ -4705,6 +4732,7 @@
           <a:p>
             <a:fld id="{CF8BA92F-384F-4CC9-95B3-CAC823A31A13}" type="slidenum">
               <a:rPr lang="ru-RU" smtClean="0"/>
+              <a:pPr/>
               <a:t>3</a:t>
             </a:fld>
             <a:endParaRPr lang="ru-RU"/>

--- a/presentation.pptx
+++ b/presentation.pptx
@@ -5,25 +5,23 @@
     <p:sldMasterId id="2147483648" r:id="rId1"/>
   </p:sldMasterIdLst>
   <p:notesMasterIdLst>
-    <p:notesMasterId r:id="rId18"/>
+    <p:notesMasterId r:id="rId16"/>
   </p:notesMasterIdLst>
   <p:sldIdLst>
     <p:sldId id="256" r:id="rId2"/>
     <p:sldId id="257" r:id="rId3"/>
-    <p:sldId id="258" r:id="rId4"/>
-    <p:sldId id="259" r:id="rId5"/>
-    <p:sldId id="260" r:id="rId6"/>
-    <p:sldId id="261" r:id="rId7"/>
-    <p:sldId id="262" r:id="rId8"/>
+    <p:sldId id="272" r:id="rId4"/>
+    <p:sldId id="258" r:id="rId5"/>
+    <p:sldId id="259" r:id="rId6"/>
+    <p:sldId id="260" r:id="rId7"/>
+    <p:sldId id="261" r:id="rId8"/>
     <p:sldId id="263" r:id="rId9"/>
     <p:sldId id="264" r:id="rId10"/>
     <p:sldId id="265" r:id="rId11"/>
     <p:sldId id="266" r:id="rId12"/>
-    <p:sldId id="268" r:id="rId13"/>
-    <p:sldId id="267" r:id="rId14"/>
-    <p:sldId id="269" r:id="rId15"/>
-    <p:sldId id="270" r:id="rId16"/>
-    <p:sldId id="271" r:id="rId17"/>
+    <p:sldId id="270" r:id="rId13"/>
+    <p:sldId id="271" r:id="rId14"/>
+    <p:sldId id="273" r:id="rId15"/>
   </p:sldIdLst>
   <p:sldSz cx="9144000" cy="5143500" type="screen16x9"/>
   <p:notesSz cx="6858000" cy="9144000"/>
@@ -122,6 +120,22 @@
       </a:defRPr>
     </a:lvl9pPr>
   </p:defaultTextStyle>
+  <p:extLst>
+    <p:ext uri="{EFAFB233-063F-42B5-8137-9DF3F51BA10A}">
+      <p15:sldGuideLst xmlns:p15="http://schemas.microsoft.com/office/powerpoint/2012/main">
+        <p15:guide id="1" orient="horz" pos="1620">
+          <p15:clr>
+            <a:srgbClr val="A4A3A4"/>
+          </p15:clr>
+        </p15:guide>
+        <p15:guide id="2" pos="2880">
+          <p15:clr>
+            <a:srgbClr val="A4A3A4"/>
+          </p15:clr>
+        </p15:guide>
+      </p15:sldGuideLst>
+    </p:ext>
+  </p:extLst>
 </p:presentation>
 </file>
 
@@ -208,7 +222,7 @@
             <a:fld id="{FC4C7484-A978-4228-928A-7BEE3E9B3761}" type="datetimeFigureOut">
               <a:rPr lang="ru-RU" smtClean="0"/>
               <a:pPr/>
-              <a:t>13.11.2019</a:t>
+              <a:t>19.11.2019</a:t>
             </a:fld>
             <a:endParaRPr lang="ru-RU"/>
           </a:p>
@@ -561,6 +575,98 @@
 </p:notes>
 </file>
 
+<file path=ppt/notesSlides/notesSlide2.xml><?xml version="1.0" encoding="utf-8"?>
+<p:notes xmlns:a="http://schemas.openxmlformats.org/drawingml/2006/main" xmlns:r="http://schemas.openxmlformats.org/officeDocument/2006/relationships" xmlns:p="http://schemas.openxmlformats.org/presentationml/2006/main">
+  <p:cSld>
+    <p:spTree>
+      <p:nvGrpSpPr>
+        <p:cNvPr id="1" name=""/>
+        <p:cNvGrpSpPr/>
+        <p:nvPr/>
+      </p:nvGrpSpPr>
+      <p:grpSpPr>
+        <a:xfrm>
+          <a:off x="0" y="0"/>
+          <a:ext cx="0" cy="0"/>
+          <a:chOff x="0" y="0"/>
+          <a:chExt cx="0" cy="0"/>
+        </a:xfrm>
+      </p:grpSpPr>
+      <p:sp>
+        <p:nvSpPr>
+          <p:cNvPr id="2" name="Образ слайда 1"/>
+          <p:cNvSpPr>
+            <a:spLocks noGrp="1" noRot="1" noChangeAspect="1"/>
+          </p:cNvSpPr>
+          <p:nvPr>
+            <p:ph type="sldImg"/>
+          </p:nvPr>
+        </p:nvSpPr>
+        <p:spPr>
+          <a:xfrm>
+            <a:off x="381000" y="685800"/>
+            <a:ext cx="6096000" cy="3429000"/>
+          </a:xfrm>
+        </p:spPr>
+      </p:sp>
+      <p:sp>
+        <p:nvSpPr>
+          <p:cNvPr id="3" name="Заметки 2"/>
+          <p:cNvSpPr>
+            <a:spLocks noGrp="1"/>
+          </p:cNvSpPr>
+          <p:nvPr>
+            <p:ph type="body" idx="1"/>
+          </p:nvPr>
+        </p:nvSpPr>
+        <p:spPr/>
+        <p:txBody>
+          <a:bodyPr>
+            <a:normAutofit/>
+          </a:bodyPr>
+          <a:lstStyle/>
+          <a:p>
+            <a:endParaRPr lang="ru-RU"/>
+          </a:p>
+        </p:txBody>
+      </p:sp>
+      <p:sp>
+        <p:nvSpPr>
+          <p:cNvPr id="4" name="Номер слайда 3"/>
+          <p:cNvSpPr>
+            <a:spLocks noGrp="1"/>
+          </p:cNvSpPr>
+          <p:nvPr>
+            <p:ph type="sldNum" sz="quarter" idx="10"/>
+          </p:nvPr>
+        </p:nvSpPr>
+        <p:spPr/>
+        <p:txBody>
+          <a:bodyPr/>
+          <a:lstStyle/>
+          <a:p>
+            <a:fld id="{57F70759-3B09-4FE5-98F8-68BBA2508F41}" type="slidenum">
+              <a:rPr lang="ru-RU" smtClean="0"/>
+              <a:pPr/>
+              <a:t>3</a:t>
+            </a:fld>
+            <a:endParaRPr lang="ru-RU"/>
+          </a:p>
+        </p:txBody>
+      </p:sp>
+    </p:spTree>
+    <p:extLst>
+      <p:ext uri="{BB962C8B-B14F-4D97-AF65-F5344CB8AC3E}">
+        <p14:creationId xmlns:p14="http://schemas.microsoft.com/office/powerpoint/2010/main" val="1059327595"/>
+      </p:ext>
+    </p:extLst>
+  </p:cSld>
+  <p:clrMapOvr>
+    <a:masterClrMapping/>
+  </p:clrMapOvr>
+</p:notes>
+</file>
+
 <file path=ppt/slideLayouts/slideLayout1.xml><?xml version="1.0" encoding="utf-8"?>
 <p:sldLayout xmlns:a="http://schemas.openxmlformats.org/drawingml/2006/main" xmlns:r="http://schemas.openxmlformats.org/officeDocument/2006/relationships" xmlns:p="http://schemas.openxmlformats.org/presentationml/2006/main" type="title" preserve="1">
   <p:cSld name="Титульный слайд">
@@ -743,7 +849,7 @@
             <a:fld id="{1C48ADC7-6284-4563-A53C-8C801AB1E89B}" type="datetime1">
               <a:rPr lang="ru-RU" smtClean="0"/>
               <a:pPr/>
-              <a:t>13.11.2019</a:t>
+              <a:t>19.11.2019</a:t>
             </a:fld>
             <a:endParaRPr lang="ru-RU"/>
           </a:p>
@@ -910,7 +1016,7 @@
             <a:fld id="{7DC3E7C5-BD2E-4374-9AE9-6F406573A3F6}" type="datetime1">
               <a:rPr lang="ru-RU" smtClean="0"/>
               <a:pPr/>
-              <a:t>13.11.2019</a:t>
+              <a:t>19.11.2019</a:t>
             </a:fld>
             <a:endParaRPr lang="ru-RU"/>
           </a:p>
@@ -1087,7 +1193,7 @@
             <a:fld id="{E8BE84D2-797E-4840-9869-3727362FABF0}" type="datetime1">
               <a:rPr lang="ru-RU" smtClean="0"/>
               <a:pPr/>
-              <a:t>13.11.2019</a:t>
+              <a:t>19.11.2019</a:t>
             </a:fld>
             <a:endParaRPr lang="ru-RU"/>
           </a:p>
@@ -1254,7 +1360,7 @@
             <a:fld id="{2DA0F686-D3B8-4DB8-86AF-2412A36A9BCA}" type="datetime1">
               <a:rPr lang="ru-RU" smtClean="0"/>
               <a:pPr/>
-              <a:t>13.11.2019</a:t>
+              <a:t>19.11.2019</a:t>
             </a:fld>
             <a:endParaRPr lang="ru-RU"/>
           </a:p>
@@ -1291,7 +1397,7 @@
         </p:nvSpPr>
         <p:spPr>
           <a:xfrm>
-            <a:off x="6553200" y="4461961"/>
+            <a:off x="6876256" y="4461961"/>
             <a:ext cx="2133600" cy="579146"/>
           </a:xfrm>
         </p:spPr>
@@ -1506,7 +1612,7 @@
             <a:fld id="{685FBB0C-073D-42FE-9C0C-D44F87DD1C8C}" type="datetime1">
               <a:rPr lang="ru-RU" smtClean="0"/>
               <a:pPr/>
-              <a:t>13.11.2019</a:t>
+              <a:t>19.11.2019</a:t>
             </a:fld>
             <a:endParaRPr lang="ru-RU"/>
           </a:p>
@@ -1791,7 +1897,7 @@
             <a:fld id="{6D5C234A-9CA2-4B5E-A067-2EAA5819AEB0}" type="datetime1">
               <a:rPr lang="ru-RU" smtClean="0"/>
               <a:pPr/>
-              <a:t>13.11.2019</a:t>
+              <a:t>19.11.2019</a:t>
             </a:fld>
             <a:endParaRPr lang="ru-RU"/>
           </a:p>
@@ -2210,7 +2316,7 @@
             <a:fld id="{AF592190-F8CA-42E7-B736-BAD7F3246283}" type="datetime1">
               <a:rPr lang="ru-RU" smtClean="0"/>
               <a:pPr/>
-              <a:t>13.11.2019</a:t>
+              <a:t>19.11.2019</a:t>
             </a:fld>
             <a:endParaRPr lang="ru-RU"/>
           </a:p>
@@ -2325,7 +2431,7 @@
             <a:fld id="{21CFE62A-C266-4BC2-B5C3-C25626D8874C}" type="datetime1">
               <a:rPr lang="ru-RU" smtClean="0"/>
               <a:pPr/>
-              <a:t>13.11.2019</a:t>
+              <a:t>19.11.2019</a:t>
             </a:fld>
             <a:endParaRPr lang="ru-RU"/>
           </a:p>
@@ -2417,7 +2523,7 @@
             <a:fld id="{4C8739B2-4332-4B3A-B293-870BC0DA1E91}" type="datetime1">
               <a:rPr lang="ru-RU" smtClean="0"/>
               <a:pPr/>
-              <a:t>13.11.2019</a:t>
+              <a:t>19.11.2019</a:t>
             </a:fld>
             <a:endParaRPr lang="ru-RU"/>
           </a:p>
@@ -2691,7 +2797,7 @@
             <a:fld id="{658AD996-0705-4515-8E87-11DDA260570B}" type="datetime1">
               <a:rPr lang="ru-RU" smtClean="0"/>
               <a:pPr/>
-              <a:t>13.11.2019</a:t>
+              <a:t>19.11.2019</a:t>
             </a:fld>
             <a:endParaRPr lang="ru-RU"/>
           </a:p>
@@ -2941,7 +3047,7 @@
             <a:fld id="{4586EB43-EF2F-4D6F-8CAB-0790E0CAE656}" type="datetime1">
               <a:rPr lang="ru-RU" smtClean="0"/>
               <a:pPr/>
-              <a:t>13.11.2019</a:t>
+              <a:t>19.11.2019</a:t>
             </a:fld>
             <a:endParaRPr lang="ru-RU"/>
           </a:p>
@@ -3151,7 +3257,7 @@
             <a:fld id="{F0B1AFF6-565C-4119-BE90-8A13757FD619}" type="datetime1">
               <a:rPr lang="ru-RU" smtClean="0"/>
               <a:pPr/>
-              <a:t>13.11.2019</a:t>
+              <a:t>19.11.2019</a:t>
             </a:fld>
             <a:endParaRPr lang="ru-RU"/>
           </a:p>
@@ -3573,58 +3679,71 @@
         </p:nvSpPr>
         <p:spPr>
           <a:xfrm>
-            <a:off x="1369368" y="2304405"/>
-            <a:ext cx="6400800" cy="2228850"/>
+            <a:off x="1369368" y="2304404"/>
+            <a:ext cx="6400800" cy="2715617"/>
           </a:xfrm>
         </p:spPr>
         <p:txBody>
           <a:bodyPr>
-            <a:normAutofit lnSpcReduction="10000"/>
+            <a:noAutofit/>
           </a:bodyPr>
           <a:lstStyle/>
           <a:p>
             <a:r>
-              <a:rPr lang="en-US" dirty="0" smtClean="0"/>
+              <a:rPr lang="en-US" sz="2800" dirty="0"/>
+              <a:t>S.O. </a:t>
+            </a:r>
+            <a:r>
+              <a:rPr lang="en-US" sz="2800" dirty="0" err="1" smtClean="0"/>
+              <a:t>Morozov</a:t>
+            </a:r>
+            <a:endParaRPr lang="en-US" sz="2800" dirty="0"/>
+          </a:p>
+          <a:p>
+            <a:endParaRPr lang="en-US" sz="1000" dirty="0"/>
+          </a:p>
+          <a:p>
+            <a:r>
+              <a:rPr lang="en-US" sz="2000" dirty="0" smtClean="0"/>
+              <a:t>Team members:</a:t>
+            </a:r>
+          </a:p>
+          <a:p>
+            <a:r>
+              <a:rPr lang="en-US" sz="2000" dirty="0" smtClean="0"/>
               <a:t>V.V. </a:t>
             </a:r>
             <a:r>
-              <a:rPr lang="en-US" dirty="0" err="1" smtClean="0"/>
+              <a:rPr lang="en-US" sz="2000" dirty="0" err="1" smtClean="0"/>
               <a:t>Chernikov</a:t>
             </a:r>
-            <a:endParaRPr lang="en-US" dirty="0" smtClean="0"/>
-          </a:p>
-          <a:p>
-            <a:r>
-              <a:rPr lang="en-US" dirty="0" smtClean="0"/>
-              <a:t>S.O. </a:t>
-            </a:r>
-            <a:r>
-              <a:rPr lang="en-US" dirty="0" err="1" smtClean="0"/>
-              <a:t>Morozov</a:t>
-            </a:r>
-            <a:endParaRPr lang="en-US" dirty="0" smtClean="0"/>
-          </a:p>
-          <a:p>
-            <a:r>
-              <a:rPr lang="en-US" dirty="0" smtClean="0"/>
-              <a:t>O.S. </a:t>
-            </a:r>
-            <a:r>
-              <a:rPr lang="en-US" dirty="0" err="1" smtClean="0"/>
+            <a:endParaRPr lang="en-US" sz="2000" dirty="0" smtClean="0"/>
+          </a:p>
+          <a:p>
+            <a:r>
+              <a:rPr lang="en-US" sz="2000" dirty="0" smtClean="0"/>
+              <a:t>O.S</a:t>
+            </a:r>
+            <a:r>
+              <a:rPr lang="en-US" sz="2000" dirty="0" smtClean="0"/>
+              <a:t>. </a:t>
+            </a:r>
+            <a:r>
+              <a:rPr lang="en-US" sz="2000" dirty="0" err="1" smtClean="0"/>
               <a:t>Markelov</a:t>
             </a:r>
-            <a:endParaRPr lang="en-US" dirty="0" smtClean="0"/>
-          </a:p>
-          <a:p>
-            <a:r>
-              <a:rPr lang="en-US" dirty="0" smtClean="0"/>
+            <a:endParaRPr lang="en-US" sz="2000" dirty="0" smtClean="0"/>
+          </a:p>
+          <a:p>
+            <a:r>
+              <a:rPr lang="en-US" sz="2000" dirty="0" smtClean="0"/>
               <a:t>I.V. </a:t>
             </a:r>
             <a:r>
-              <a:rPr lang="en-US" dirty="0" err="1" smtClean="0"/>
+              <a:rPr lang="en-US" sz="2000" dirty="0" err="1" smtClean="0"/>
               <a:t>Shatalov</a:t>
             </a:r>
-            <a:endParaRPr lang="en-US" dirty="0" smtClean="0"/>
+            <a:endParaRPr lang="en-US" sz="2000" dirty="0" smtClean="0"/>
           </a:p>
           <a:p>
             <a:endParaRPr lang="ru-RU" dirty="0"/>
@@ -3691,44 +3810,6 @@
       </p:pic>
       <p:sp>
         <p:nvSpPr>
-          <p:cNvPr id="2" name="Заголовок 1"/>
-          <p:cNvSpPr>
-            <a:spLocks noGrp="1"/>
-          </p:cNvSpPr>
-          <p:nvPr>
-            <p:ph type="title"/>
-          </p:nvPr>
-        </p:nvSpPr>
-        <p:spPr/>
-        <p:txBody>
-          <a:bodyPr/>
-          <a:lstStyle/>
-          <a:p>
-            <a:endParaRPr lang="ru-RU"/>
-          </a:p>
-        </p:txBody>
-      </p:sp>
-      <p:sp>
-        <p:nvSpPr>
-          <p:cNvPr id="3" name="Содержимое 2"/>
-          <p:cNvSpPr>
-            <a:spLocks noGrp="1"/>
-          </p:cNvSpPr>
-          <p:nvPr>
-            <p:ph idx="1"/>
-          </p:nvPr>
-        </p:nvSpPr>
-        <p:spPr/>
-        <p:txBody>
-          <a:bodyPr/>
-          <a:lstStyle/>
-          <a:p>
-            <a:endParaRPr lang="ru-RU"/>
-          </a:p>
-        </p:txBody>
-      </p:sp>
-      <p:sp>
-        <p:nvSpPr>
           <p:cNvPr id="4" name="Номер слайда 3"/>
           <p:cNvSpPr>
             <a:spLocks noGrp="1"/>
@@ -3811,44 +3892,6 @@
       </p:pic>
       <p:sp>
         <p:nvSpPr>
-          <p:cNvPr id="2" name="Заголовок 1"/>
-          <p:cNvSpPr>
-            <a:spLocks noGrp="1"/>
-          </p:cNvSpPr>
-          <p:nvPr>
-            <p:ph type="title"/>
-          </p:nvPr>
-        </p:nvSpPr>
-        <p:spPr/>
-        <p:txBody>
-          <a:bodyPr/>
-          <a:lstStyle/>
-          <a:p>
-            <a:endParaRPr lang="ru-RU"/>
-          </a:p>
-        </p:txBody>
-      </p:sp>
-      <p:sp>
-        <p:nvSpPr>
-          <p:cNvPr id="3" name="Содержимое 2"/>
-          <p:cNvSpPr>
-            <a:spLocks noGrp="1"/>
-          </p:cNvSpPr>
-          <p:nvPr>
-            <p:ph idx="1"/>
-          </p:nvPr>
-        </p:nvSpPr>
-        <p:spPr/>
-        <p:txBody>
-          <a:bodyPr/>
-          <a:lstStyle/>
-          <a:p>
-            <a:endParaRPr lang="ru-RU"/>
-          </a:p>
-        </p:txBody>
-      </p:sp>
-      <p:sp>
-        <p:nvSpPr>
           <p:cNvPr id="4" name="Номер слайда 3"/>
           <p:cNvSpPr>
             <a:spLocks noGrp="1"/>
@@ -3905,68 +3948,34 @@
       </p:grpSpPr>
       <p:pic>
         <p:nvPicPr>
-          <p:cNvPr id="9218" name="Picture 2" descr="C:\project\pics\Students.png"/>
+          <p:cNvPr id="5" name="Рисунок 4"/>
           <p:cNvPicPr>
-            <a:picLocks noChangeAspect="1" noChangeArrowheads="1"/>
+            <a:picLocks noChangeAspect="1"/>
           </p:cNvPicPr>
           <p:nvPr/>
         </p:nvPicPr>
         <p:blipFill>
-          <a:blip r:embed="rId2" cstate="print"/>
-          <a:srcRect/>
+          <a:blip r:embed="rId2">
+            <a:extLst>
+              <a:ext uri="{28A0092B-C50C-407E-A947-70E740481C1C}">
+                <a14:useLocalDpi xmlns:a14="http://schemas.microsoft.com/office/drawing/2010/main" val="0"/>
+              </a:ext>
+            </a:extLst>
+          </a:blip>
           <a:stretch>
             <a:fillRect/>
           </a:stretch>
         </p:blipFill>
-        <p:spPr bwMode="auto">
+        <p:spPr>
           <a:xfrm>
-            <a:off x="0" y="-1"/>
-            <a:ext cx="9144000" cy="5143499"/>
+            <a:off x="665820" y="1063229"/>
+            <a:ext cx="7812360" cy="3872602"/>
           </a:xfrm>
           <a:prstGeom prst="rect">
             <a:avLst/>
           </a:prstGeom>
-          <a:noFill/>
         </p:spPr>
       </p:pic>
-      <p:sp>
-        <p:nvSpPr>
-          <p:cNvPr id="2" name="Заголовок 1"/>
-          <p:cNvSpPr>
-            <a:spLocks noGrp="1"/>
-          </p:cNvSpPr>
-          <p:nvPr>
-            <p:ph type="title"/>
-          </p:nvPr>
-        </p:nvSpPr>
-        <p:spPr/>
-        <p:txBody>
-          <a:bodyPr/>
-          <a:lstStyle/>
-          <a:p>
-            <a:endParaRPr lang="ru-RU"/>
-          </a:p>
-        </p:txBody>
-      </p:sp>
-      <p:sp>
-        <p:nvSpPr>
-          <p:cNvPr id="3" name="Содержимое 2"/>
-          <p:cNvSpPr>
-            <a:spLocks noGrp="1"/>
-          </p:cNvSpPr>
-          <p:nvPr>
-            <p:ph idx="1"/>
-          </p:nvPr>
-        </p:nvSpPr>
-        <p:spPr/>
-        <p:txBody>
-          <a:bodyPr/>
-          <a:lstStyle/>
-          <a:p>
-            <a:endParaRPr lang="ru-RU"/>
-          </a:p>
-        </p:txBody>
-      </p:sp>
       <p:sp>
         <p:nvSpPr>
           <p:cNvPr id="4" name="Номер слайда 3"/>
@@ -3987,6 +3996,34 @@
               <a:pPr/>
               <a:t>12</a:t>
             </a:fld>
+            <a:endParaRPr lang="ru-RU" dirty="0"/>
+          </a:p>
+        </p:txBody>
+      </p:sp>
+      <p:sp>
+        <p:nvSpPr>
+          <p:cNvPr id="6" name="Заголовок 1"/>
+          <p:cNvSpPr>
+            <a:spLocks noGrp="1"/>
+          </p:cNvSpPr>
+          <p:nvPr>
+            <p:ph type="title"/>
+          </p:nvPr>
+        </p:nvSpPr>
+        <p:spPr>
+          <a:xfrm>
+            <a:off x="457200" y="205979"/>
+            <a:ext cx="8229600" cy="857250"/>
+          </a:xfrm>
+        </p:spPr>
+        <p:txBody>
+          <a:bodyPr/>
+          <a:lstStyle/>
+          <a:p>
+            <a:r>
+              <a:rPr lang="en-US" dirty="0" smtClean="0"/>
+              <a:t>Simulation process</a:t>
+            </a:r>
             <a:endParaRPr lang="ru-RU" dirty="0"/>
           </a:p>
         </p:txBody>
@@ -4023,48 +4060,31 @@
           <a:chExt cx="0" cy="0"/>
         </a:xfrm>
       </p:grpSpPr>
-      <p:pic>
-        <p:nvPicPr>
-          <p:cNvPr id="8194" name="Picture 2" descr="C:\project\pics\Manage Student.png"/>
-          <p:cNvPicPr>
-            <a:picLocks noChangeAspect="1" noChangeArrowheads="1"/>
-          </p:cNvPicPr>
-          <p:nvPr/>
-        </p:nvPicPr>
-        <p:blipFill>
-          <a:blip r:embed="rId2" cstate="print"/>
-          <a:srcRect/>
-          <a:stretch>
-            <a:fillRect/>
-          </a:stretch>
-        </p:blipFill>
-        <p:spPr bwMode="auto">
+      <p:sp>
+        <p:nvSpPr>
+          <p:cNvPr id="2" name="Заголовок 1"/>
+          <p:cNvSpPr>
+            <a:spLocks noGrp="1"/>
+          </p:cNvSpPr>
+          <p:nvPr>
+            <p:ph type="title"/>
+          </p:nvPr>
+        </p:nvSpPr>
+        <p:spPr>
           <a:xfrm>
-            <a:off x="0" y="0"/>
-            <a:ext cx="9144000" cy="5143500"/>
+            <a:off x="457200" y="205979"/>
+            <a:ext cx="8229600" cy="857250"/>
           </a:xfrm>
-          <a:prstGeom prst="rect">
-            <a:avLst/>
-          </a:prstGeom>
-          <a:noFill/>
         </p:spPr>
-      </p:pic>
-      <p:sp>
-        <p:nvSpPr>
-          <p:cNvPr id="2" name="Заголовок 1"/>
-          <p:cNvSpPr>
-            <a:spLocks noGrp="1"/>
-          </p:cNvSpPr>
-          <p:nvPr>
-            <p:ph type="title"/>
-          </p:nvPr>
-        </p:nvSpPr>
-        <p:spPr/>
-        <p:txBody>
-          <a:bodyPr/>
-          <a:lstStyle/>
-          <a:p>
-            <a:endParaRPr lang="ru-RU"/>
+        <p:txBody>
+          <a:bodyPr/>
+          <a:lstStyle/>
+          <a:p>
+            <a:r>
+              <a:rPr lang="en-US" dirty="0"/>
+              <a:t>Technologies</a:t>
+            </a:r>
+            <a:endParaRPr lang="ru-RU" dirty="0"/>
           </a:p>
         </p:txBody>
       </p:sp>
@@ -4080,10 +4100,64 @@
         </p:nvSpPr>
         <p:spPr/>
         <p:txBody>
-          <a:bodyPr/>
-          <a:lstStyle/>
-          <a:p>
-            <a:endParaRPr lang="ru-RU"/>
+          <a:bodyPr>
+            <a:normAutofit/>
+          </a:bodyPr>
+          <a:lstStyle/>
+          <a:p>
+            <a:pPr marL="342900" lvl="1" indent="-342900">
+              <a:buFont typeface="Arial" pitchFamily="34" charset="0"/>
+              <a:buChar char="•"/>
+            </a:pPr>
+            <a:r>
+              <a:rPr lang="en-US" dirty="0" smtClean="0"/>
+              <a:t>RESTful </a:t>
+            </a:r>
+            <a:r>
+              <a:rPr lang="en-US" dirty="0"/>
+              <a:t>API for client/server communication</a:t>
+            </a:r>
+          </a:p>
+          <a:p>
+            <a:pPr marL="342900" lvl="1" indent="-342900">
+              <a:buFont typeface="Arial" pitchFamily="34" charset="0"/>
+              <a:buChar char="•"/>
+            </a:pPr>
+            <a:r>
+              <a:rPr lang="en-US" dirty="0" smtClean="0"/>
+              <a:t>Java/Groovy</a:t>
+            </a:r>
+            <a:r>
+              <a:rPr lang="ru-RU" dirty="0" smtClean="0"/>
+              <a:t> </a:t>
+            </a:r>
+            <a:r>
+              <a:rPr lang="en-US" dirty="0" smtClean="0"/>
+              <a:t>for client and server</a:t>
+            </a:r>
+          </a:p>
+          <a:p>
+            <a:pPr marL="342900" lvl="1" indent="-342900">
+              <a:buFont typeface="Arial" pitchFamily="34" charset="0"/>
+              <a:buChar char="•"/>
+            </a:pPr>
+            <a:r>
+              <a:rPr lang="en-US" dirty="0" smtClean="0"/>
+              <a:t>Groovy</a:t>
+            </a:r>
+            <a:r>
+              <a:rPr lang="ru-RU" dirty="0" smtClean="0"/>
+              <a:t> </a:t>
+            </a:r>
+            <a:r>
+              <a:rPr lang="en-US" dirty="0"/>
+              <a:t>for </a:t>
+            </a:r>
+            <a:r>
+              <a:rPr lang="en-US" dirty="0" smtClean="0"/>
+              <a:t>students’ solutions</a:t>
+            </a:r>
+            <a:endParaRPr lang="en-US" dirty="0"/>
           </a:p>
         </p:txBody>
       </p:sp>
@@ -4143,67 +4217,31 @@
           <a:chExt cx="0" cy="0"/>
         </a:xfrm>
       </p:grpSpPr>
-      <p:pic>
-        <p:nvPicPr>
-          <p:cNvPr id="10242" name="Picture 2" descr="C:\project\pics\Edit levels.png"/>
-          <p:cNvPicPr>
-            <a:picLocks noChangeAspect="1" noChangeArrowheads="1"/>
-          </p:cNvPicPr>
-          <p:nvPr/>
-        </p:nvPicPr>
-        <p:blipFill>
-          <a:blip r:embed="rId2" cstate="print"/>
-          <a:srcRect/>
-          <a:stretch>
-            <a:fillRect/>
-          </a:stretch>
-        </p:blipFill>
-        <p:spPr bwMode="auto">
+      <p:sp>
+        <p:nvSpPr>
+          <p:cNvPr id="2" name="Заголовок 1"/>
+          <p:cNvSpPr>
+            <a:spLocks noGrp="1"/>
+          </p:cNvSpPr>
+          <p:nvPr>
+            <p:ph type="title"/>
+          </p:nvPr>
+        </p:nvSpPr>
+        <p:spPr>
           <a:xfrm>
-            <a:off x="0" y="0"/>
-            <a:ext cx="9144000" cy="5143500"/>
+            <a:off x="395536" y="1923678"/>
+            <a:ext cx="8229600" cy="857250"/>
           </a:xfrm>
-          <a:prstGeom prst="rect">
-            <a:avLst/>
-          </a:prstGeom>
-          <a:noFill/>
         </p:spPr>
-      </p:pic>
-      <p:sp>
-        <p:nvSpPr>
-          <p:cNvPr id="2" name="Заголовок 1"/>
-          <p:cNvSpPr>
-            <a:spLocks noGrp="1"/>
-          </p:cNvSpPr>
-          <p:nvPr>
-            <p:ph type="title"/>
-          </p:nvPr>
-        </p:nvSpPr>
-        <p:spPr/>
-        <p:txBody>
-          <a:bodyPr/>
-          <a:lstStyle/>
-          <a:p>
-            <a:endParaRPr lang="ru-RU"/>
-          </a:p>
-        </p:txBody>
-      </p:sp>
-      <p:sp>
-        <p:nvSpPr>
-          <p:cNvPr id="3" name="Содержимое 2"/>
-          <p:cNvSpPr>
-            <a:spLocks noGrp="1"/>
-          </p:cNvSpPr>
-          <p:nvPr>
-            <p:ph idx="1"/>
-          </p:nvPr>
-        </p:nvSpPr>
-        <p:spPr/>
-        <p:txBody>
-          <a:bodyPr/>
-          <a:lstStyle/>
-          <a:p>
-            <a:endParaRPr lang="ru-RU"/>
+        <p:txBody>
+          <a:bodyPr/>
+          <a:lstStyle/>
+          <a:p>
+            <a:r>
+              <a:rPr lang="en-US" dirty="0" smtClean="0"/>
+              <a:t>Thank you for attention</a:t>
+            </a:r>
+            <a:endParaRPr lang="ru-RU" dirty="0"/>
           </a:p>
         </p:txBody>
       </p:sp>
@@ -4232,270 +4270,11 @@
         </p:txBody>
       </p:sp>
     </p:spTree>
-  </p:cSld>
-  <p:clrMapOvr>
-    <a:masterClrMapping/>
-  </p:clrMapOvr>
-  <p:timing>
-    <p:tnLst>
-      <p:par>
-        <p:cTn id="1" dur="indefinite" restart="never" nodeType="tmRoot"/>
-      </p:par>
-    </p:tnLst>
-  </p:timing>
-</p:sld>
-</file>
-
-<file path=ppt/slides/slide15.xml><?xml version="1.0" encoding="utf-8"?>
-<p:sld xmlns:a="http://schemas.openxmlformats.org/drawingml/2006/main" xmlns:r="http://schemas.openxmlformats.org/officeDocument/2006/relationships" xmlns:p="http://schemas.openxmlformats.org/presentationml/2006/main">
-  <p:cSld>
-    <p:spTree>
-      <p:nvGrpSpPr>
-        <p:cNvPr id="1" name=""/>
-        <p:cNvGrpSpPr/>
-        <p:nvPr/>
-      </p:nvGrpSpPr>
-      <p:grpSpPr>
-        <a:xfrm>
-          <a:off x="0" y="0"/>
-          <a:ext cx="0" cy="0"/>
-          <a:chOff x="0" y="0"/>
-          <a:chExt cx="0" cy="0"/>
-        </a:xfrm>
-      </p:grpSpPr>
-      <p:pic>
-        <p:nvPicPr>
-          <p:cNvPr id="12290" name="Picture 2" descr="C:\Users\Lenovo\Downloads\simulation_1(1).png"/>
-          <p:cNvPicPr>
-            <a:picLocks noChangeAspect="1" noChangeArrowheads="1"/>
-          </p:cNvPicPr>
-          <p:nvPr/>
-        </p:nvPicPr>
-        <p:blipFill>
-          <a:blip r:embed="rId2" cstate="print"/>
-          <a:srcRect/>
-          <a:stretch>
-            <a:fillRect/>
-          </a:stretch>
-        </p:blipFill>
-        <p:spPr bwMode="auto">
-          <a:xfrm>
-            <a:off x="683568" y="195486"/>
-            <a:ext cx="7729091" cy="4713110"/>
-          </a:xfrm>
-          <a:prstGeom prst="rect">
-            <a:avLst/>
-          </a:prstGeom>
-          <a:noFill/>
-        </p:spPr>
-      </p:pic>
-      <p:sp>
-        <p:nvSpPr>
-          <p:cNvPr id="2" name="Заголовок 1"/>
-          <p:cNvSpPr>
-            <a:spLocks noGrp="1"/>
-          </p:cNvSpPr>
-          <p:nvPr>
-            <p:ph type="title"/>
-          </p:nvPr>
-        </p:nvSpPr>
-        <p:spPr/>
-        <p:txBody>
-          <a:bodyPr/>
-          <a:lstStyle/>
-          <a:p>
-            <a:endParaRPr lang="ru-RU"/>
-          </a:p>
-        </p:txBody>
-      </p:sp>
-      <p:sp>
-        <p:nvSpPr>
-          <p:cNvPr id="3" name="Содержимое 2"/>
-          <p:cNvSpPr>
-            <a:spLocks noGrp="1"/>
-          </p:cNvSpPr>
-          <p:nvPr>
-            <p:ph idx="1"/>
-          </p:nvPr>
-        </p:nvSpPr>
-        <p:spPr/>
-        <p:txBody>
-          <a:bodyPr/>
-          <a:lstStyle/>
-          <a:p>
-            <a:endParaRPr lang="ru-RU" dirty="0"/>
-          </a:p>
-        </p:txBody>
-      </p:sp>
-      <p:sp>
-        <p:nvSpPr>
-          <p:cNvPr id="4" name="Номер слайда 3"/>
-          <p:cNvSpPr>
-            <a:spLocks noGrp="1"/>
-          </p:cNvSpPr>
-          <p:nvPr>
-            <p:ph type="sldNum" sz="quarter" idx="12"/>
-          </p:nvPr>
-        </p:nvSpPr>
-        <p:spPr/>
-        <p:txBody>
-          <a:bodyPr/>
-          <a:lstStyle/>
-          <a:p>
-            <a:fld id="{CF8BA92F-384F-4CC9-95B3-CAC823A31A13}" type="slidenum">
-              <a:rPr lang="ru-RU" smtClean="0"/>
-              <a:pPr/>
-              <a:t>15</a:t>
-            </a:fld>
-            <a:endParaRPr lang="ru-RU" dirty="0"/>
-          </a:p>
-        </p:txBody>
-      </p:sp>
-    </p:spTree>
-  </p:cSld>
-  <p:clrMapOvr>
-    <a:masterClrMapping/>
-  </p:clrMapOvr>
-  <p:timing>
-    <p:tnLst>
-      <p:par>
-        <p:cTn id="1" dur="indefinite" restart="never" nodeType="tmRoot"/>
-      </p:par>
-    </p:tnLst>
-  </p:timing>
-</p:sld>
-</file>
-
-<file path=ppt/slides/slide16.xml><?xml version="1.0" encoding="utf-8"?>
-<p:sld xmlns:a="http://schemas.openxmlformats.org/drawingml/2006/main" xmlns:r="http://schemas.openxmlformats.org/officeDocument/2006/relationships" xmlns:p="http://schemas.openxmlformats.org/presentationml/2006/main">
-  <p:cSld>
-    <p:spTree>
-      <p:nvGrpSpPr>
-        <p:cNvPr id="1" name=""/>
-        <p:cNvGrpSpPr/>
-        <p:nvPr/>
-      </p:nvGrpSpPr>
-      <p:grpSpPr>
-        <a:xfrm>
-          <a:off x="0" y="0"/>
-          <a:ext cx="0" cy="0"/>
-          <a:chOff x="0" y="0"/>
-          <a:chExt cx="0" cy="0"/>
-        </a:xfrm>
-      </p:grpSpPr>
-      <p:sp>
-        <p:nvSpPr>
-          <p:cNvPr id="2" name="Заголовок 1"/>
-          <p:cNvSpPr>
-            <a:spLocks noGrp="1"/>
-          </p:cNvSpPr>
-          <p:nvPr>
-            <p:ph type="title"/>
-          </p:nvPr>
-        </p:nvSpPr>
-        <p:spPr>
-          <a:xfrm>
-            <a:off x="457200" y="205979"/>
-            <a:ext cx="8229600" cy="857250"/>
-          </a:xfrm>
-        </p:spPr>
-        <p:txBody>
-          <a:bodyPr/>
-          <a:lstStyle/>
-          <a:p>
-            <a:r>
-              <a:rPr lang="en-US" dirty="0" smtClean="0"/>
-              <a:t>Summary</a:t>
-            </a:r>
-            <a:endParaRPr lang="ru-RU" dirty="0"/>
-          </a:p>
-        </p:txBody>
-      </p:sp>
-      <p:sp>
-        <p:nvSpPr>
-          <p:cNvPr id="3" name="Содержимое 2"/>
-          <p:cNvSpPr>
-            <a:spLocks noGrp="1"/>
-          </p:cNvSpPr>
-          <p:nvPr>
-            <p:ph idx="1"/>
-          </p:nvPr>
-        </p:nvSpPr>
-        <p:spPr/>
-        <p:txBody>
-          <a:bodyPr/>
-          <a:lstStyle/>
-          <a:p>
-            <a:r>
-              <a:rPr lang="en-US" dirty="0" smtClean="0"/>
-              <a:t>Technologies:</a:t>
-            </a:r>
-          </a:p>
-          <a:p>
-            <a:pPr lvl="1"/>
-            <a:r>
-              <a:rPr lang="en-US" dirty="0" smtClean="0"/>
-              <a:t>Java/Groovy</a:t>
-            </a:r>
-          </a:p>
-          <a:p>
-            <a:pPr lvl="1"/>
-            <a:r>
-              <a:rPr lang="en-US" dirty="0" err="1" smtClean="0"/>
-              <a:t>RESTful</a:t>
-            </a:r>
-            <a:r>
-              <a:rPr lang="en-US" dirty="0" smtClean="0"/>
-              <a:t> API</a:t>
-            </a:r>
-          </a:p>
-          <a:p>
-            <a:r>
-              <a:rPr lang="en-US" dirty="0" smtClean="0"/>
-              <a:t>Prototypes:</a:t>
-            </a:r>
-          </a:p>
-          <a:p>
-            <a:pPr lvl="1"/>
-            <a:r>
-              <a:rPr lang="en-US" dirty="0" smtClean="0"/>
-              <a:t>User interface prototype</a:t>
-            </a:r>
-          </a:p>
-          <a:p>
-            <a:pPr lvl="1"/>
-            <a:r>
-              <a:rPr lang="en-US" dirty="0" smtClean="0"/>
-              <a:t>Server prototype</a:t>
-            </a:r>
-          </a:p>
-        </p:txBody>
-      </p:sp>
-      <p:sp>
-        <p:nvSpPr>
-          <p:cNvPr id="4" name="Номер слайда 3"/>
-          <p:cNvSpPr>
-            <a:spLocks noGrp="1"/>
-          </p:cNvSpPr>
-          <p:nvPr>
-            <p:ph type="sldNum" sz="quarter" idx="12"/>
-          </p:nvPr>
-        </p:nvSpPr>
-        <p:spPr/>
-        <p:txBody>
-          <a:bodyPr/>
-          <a:lstStyle/>
-          <a:p>
-            <a:fld id="{CF8BA92F-384F-4CC9-95B3-CAC823A31A13}" type="slidenum">
-              <a:rPr lang="ru-RU" smtClean="0"/>
-              <a:pPr/>
-              <a:t>16</a:t>
-            </a:fld>
-            <a:endParaRPr lang="ru-RU" dirty="0"/>
-          </a:p>
-        </p:txBody>
-      </p:sp>
-    </p:spTree>
+    <p:extLst>
+      <p:ext uri="{BB962C8B-B14F-4D97-AF65-F5344CB8AC3E}">
+        <p14:creationId xmlns:p14="http://schemas.microsoft.com/office/powerpoint/2010/main" val="3013140695"/>
+      </p:ext>
+    </p:extLst>
   </p:cSld>
   <p:clrMapOvr>
     <a:masterClrMapping/>
@@ -4584,7 +4363,23 @@
           <a:p>
             <a:r>
               <a:rPr lang="en-US" dirty="0" smtClean="0"/>
-              <a:t>Students learn by submitting solutions for programming tasks (levels) created by a teacher</a:t>
+              <a:t>Students learn by submitting </a:t>
+            </a:r>
+            <a:r>
+              <a:rPr lang="en-US" dirty="0" smtClean="0"/>
+              <a:t>programs </a:t>
+            </a:r>
+            <a:r>
+              <a:rPr lang="en-US" dirty="0" smtClean="0"/>
+              <a:t>for </a:t>
+            </a:r>
+            <a:r>
+              <a:rPr lang="en-US" dirty="0" smtClean="0"/>
+              <a:t>robots that operate on levels </a:t>
+            </a:r>
+            <a:r>
+              <a:rPr lang="en-US" dirty="0" smtClean="0"/>
+              <a:t>created by a teacher</a:t>
             </a:r>
             <a:endParaRPr lang="ru-RU" dirty="0"/>
           </a:p>
@@ -4656,60 +4451,14 @@
             <p:ph type="title"/>
           </p:nvPr>
         </p:nvSpPr>
-        <p:spPr>
-          <a:xfrm>
-            <a:off x="457200" y="205979"/>
-            <a:ext cx="8229600" cy="857250"/>
-          </a:xfrm>
-        </p:spPr>
+        <p:spPr/>
         <p:txBody>
           <a:bodyPr/>
           <a:lstStyle/>
           <a:p>
             <a:r>
               <a:rPr lang="en-US" dirty="0" smtClean="0"/>
-              <a:t>Student</a:t>
-            </a:r>
-            <a:endParaRPr lang="ru-RU" dirty="0"/>
-          </a:p>
-        </p:txBody>
-      </p:sp>
-      <p:sp>
-        <p:nvSpPr>
-          <p:cNvPr id="3" name="Содержимое 2"/>
-          <p:cNvSpPr>
-            <a:spLocks noGrp="1"/>
-          </p:cNvSpPr>
-          <p:nvPr>
-            <p:ph idx="1"/>
-          </p:nvPr>
-        </p:nvSpPr>
-        <p:spPr/>
-        <p:txBody>
-          <a:bodyPr/>
-          <a:lstStyle/>
-          <a:p>
-            <a:r>
-              <a:rPr lang="en-US" dirty="0" smtClean="0"/>
-              <a:t>Simulates robot on a level</a:t>
-            </a:r>
-          </a:p>
-          <a:p>
-            <a:r>
-              <a:rPr lang="en-US" dirty="0" smtClean="0"/>
-              <a:t>Edits, saves and loads solutions</a:t>
-            </a:r>
-          </a:p>
-          <a:p>
-            <a:r>
-              <a:rPr lang="en-US" dirty="0" smtClean="0"/>
-              <a:t>Views and saves simulation logs</a:t>
-            </a:r>
-          </a:p>
-          <a:p>
-            <a:r>
-              <a:rPr lang="en-US" dirty="0" smtClean="0"/>
-              <a:t>Watches the level playback</a:t>
+              <a:t>Example of a Robot</a:t>
             </a:r>
             <a:endParaRPr lang="ru-RU" dirty="0"/>
           </a:p>
@@ -4735,11 +4484,46 @@
               <a:pPr/>
               <a:t>3</a:t>
             </a:fld>
-            <a:endParaRPr lang="ru-RU"/>
-          </a:p>
-        </p:txBody>
-      </p:sp>
+            <a:endParaRPr lang="ru-RU" dirty="0"/>
+          </a:p>
+        </p:txBody>
+      </p:sp>
+      <p:pic>
+        <p:nvPicPr>
+          <p:cNvPr id="8" name="Рисунок 7"/>
+          <p:cNvPicPr>
+            <a:picLocks noChangeAspect="1"/>
+          </p:cNvPicPr>
+          <p:nvPr/>
+        </p:nvPicPr>
+        <p:blipFill>
+          <a:blip r:embed="rId3">
+            <a:extLst>
+              <a:ext uri="{28A0092B-C50C-407E-A947-70E740481C1C}">
+                <a14:useLocalDpi xmlns:a14="http://schemas.microsoft.com/office/drawing/2010/main" val="0"/>
+              </a:ext>
+            </a:extLst>
+          </a:blip>
+          <a:stretch>
+            <a:fillRect/>
+          </a:stretch>
+        </p:blipFill>
+        <p:spPr>
+          <a:xfrm>
+            <a:off x="1062725" y="1091686"/>
+            <a:ext cx="7018550" cy="3949421"/>
+          </a:xfrm>
+          <a:prstGeom prst="rect">
+            <a:avLst/>
+          </a:prstGeom>
+        </p:spPr>
+      </p:pic>
     </p:spTree>
+    <p:extLst>
+      <p:ext uri="{BB962C8B-B14F-4D97-AF65-F5344CB8AC3E}">
+        <p14:creationId xmlns:p14="http://schemas.microsoft.com/office/powerpoint/2010/main" val="727140093"/>
+      </p:ext>
+    </p:extLst>
   </p:cSld>
   <p:clrMapOvr>
     <a:masterClrMapping/>
@@ -4781,14 +4565,19 @@
             <p:ph type="title"/>
           </p:nvPr>
         </p:nvSpPr>
-        <p:spPr/>
+        <p:spPr>
+          <a:xfrm>
+            <a:off x="457200" y="205979"/>
+            <a:ext cx="8229600" cy="857250"/>
+          </a:xfrm>
+        </p:spPr>
         <p:txBody>
           <a:bodyPr/>
           <a:lstStyle/>
           <a:p>
             <a:r>
               <a:rPr lang="en-US" dirty="0" smtClean="0"/>
-              <a:t>Teacher</a:t>
+              <a:t>Student</a:t>
             </a:r>
             <a:endParaRPr lang="ru-RU" dirty="0"/>
           </a:p>
@@ -4810,28 +4599,39 @@
           <a:lstStyle/>
           <a:p>
             <a:r>
+              <a:rPr lang="en-US" dirty="0"/>
+              <a:t>Submits </a:t>
+            </a:r>
+            <a:r>
               <a:rPr lang="en-US" dirty="0" smtClean="0"/>
-              <a:t>Creates and edits levels</a:t>
-            </a:r>
+              <a:t>solutions</a:t>
+            </a:r>
+            <a:endParaRPr lang="en-US" dirty="0" smtClean="0"/>
           </a:p>
           <a:p>
             <a:r>
               <a:rPr lang="en-US" dirty="0" smtClean="0"/>
-              <a:t>Sees the students’ results and solutions</a:t>
+              <a:t>Edits, saves and loads solutions</a:t>
             </a:r>
           </a:p>
           <a:p>
             <a:r>
               <a:rPr lang="en-US" dirty="0" smtClean="0"/>
-              <a:t>Manages students’ accounts</a:t>
-            </a:r>
-            <a:endParaRPr lang="en-US" dirty="0"/>
-          </a:p>
-        </p:txBody>
-      </p:sp>
-      <p:sp>
-        <p:nvSpPr>
-          <p:cNvPr id="4" name="Номер слайда 3"/>
+              <a:t>Views and saves simulation logs</a:t>
+            </a:r>
+          </a:p>
+          <a:p>
+            <a:r>
+              <a:rPr lang="en-US" dirty="0" smtClean="0"/>
+              <a:t>Watches the level playback</a:t>
+            </a:r>
+            <a:endParaRPr lang="ru-RU" dirty="0"/>
+          </a:p>
+        </p:txBody>
+      </p:sp>
+      <p:sp>
+        <p:nvSpPr>
+          <p:cNvPr id="5" name="Номер слайда 4"/>
           <p:cNvSpPr>
             <a:spLocks noGrp="1"/>
           </p:cNvSpPr>
@@ -4849,7 +4649,7 @@
               <a:pPr/>
               <a:t>4</a:t>
             </a:fld>
-            <a:endParaRPr lang="ru-RU" dirty="0"/>
+            <a:endParaRPr lang="ru-RU"/>
           </a:p>
         </p:txBody>
       </p:sp>
@@ -4869,6 +4669,120 @@
 </file>
 
 <file path=ppt/slides/slide5.xml><?xml version="1.0" encoding="utf-8"?>
+<p:sld xmlns:a="http://schemas.openxmlformats.org/drawingml/2006/main" xmlns:r="http://schemas.openxmlformats.org/officeDocument/2006/relationships" xmlns:p="http://schemas.openxmlformats.org/presentationml/2006/main">
+  <p:cSld>
+    <p:spTree>
+      <p:nvGrpSpPr>
+        <p:cNvPr id="1" name=""/>
+        <p:cNvGrpSpPr/>
+        <p:nvPr/>
+      </p:nvGrpSpPr>
+      <p:grpSpPr>
+        <a:xfrm>
+          <a:off x="0" y="0"/>
+          <a:ext cx="0" cy="0"/>
+          <a:chOff x="0" y="0"/>
+          <a:chExt cx="0" cy="0"/>
+        </a:xfrm>
+      </p:grpSpPr>
+      <p:sp>
+        <p:nvSpPr>
+          <p:cNvPr id="2" name="Заголовок 1"/>
+          <p:cNvSpPr>
+            <a:spLocks noGrp="1"/>
+          </p:cNvSpPr>
+          <p:nvPr>
+            <p:ph type="title"/>
+          </p:nvPr>
+        </p:nvSpPr>
+        <p:spPr/>
+        <p:txBody>
+          <a:bodyPr/>
+          <a:lstStyle/>
+          <a:p>
+            <a:r>
+              <a:rPr lang="en-US" dirty="0" smtClean="0"/>
+              <a:t>Teacher</a:t>
+            </a:r>
+            <a:endParaRPr lang="ru-RU" dirty="0"/>
+          </a:p>
+        </p:txBody>
+      </p:sp>
+      <p:sp>
+        <p:nvSpPr>
+          <p:cNvPr id="3" name="Содержимое 2"/>
+          <p:cNvSpPr>
+            <a:spLocks noGrp="1"/>
+          </p:cNvSpPr>
+          <p:nvPr>
+            <p:ph idx="1"/>
+          </p:nvPr>
+        </p:nvSpPr>
+        <p:spPr/>
+        <p:txBody>
+          <a:bodyPr/>
+          <a:lstStyle/>
+          <a:p>
+            <a:r>
+              <a:rPr lang="en-US" dirty="0" smtClean="0"/>
+              <a:t>Creates and edits levels</a:t>
+            </a:r>
+          </a:p>
+          <a:p>
+            <a:r>
+              <a:rPr lang="en-US" dirty="0" smtClean="0"/>
+              <a:t>Sees the students’ results and solutions</a:t>
+            </a:r>
+          </a:p>
+          <a:p>
+            <a:r>
+              <a:rPr lang="en-US" dirty="0" smtClean="0"/>
+              <a:t>Manages students’ accounts</a:t>
+            </a:r>
+            <a:endParaRPr lang="en-US" dirty="0"/>
+          </a:p>
+        </p:txBody>
+      </p:sp>
+      <p:sp>
+        <p:nvSpPr>
+          <p:cNvPr id="4" name="Номер слайда 3"/>
+          <p:cNvSpPr>
+            <a:spLocks noGrp="1"/>
+          </p:cNvSpPr>
+          <p:nvPr>
+            <p:ph type="sldNum" sz="quarter" idx="12"/>
+          </p:nvPr>
+        </p:nvSpPr>
+        <p:spPr/>
+        <p:txBody>
+          <a:bodyPr/>
+          <a:lstStyle/>
+          <a:p>
+            <a:fld id="{CF8BA92F-384F-4CC9-95B3-CAC823A31A13}" type="slidenum">
+              <a:rPr lang="ru-RU" smtClean="0"/>
+              <a:pPr/>
+              <a:t>5</a:t>
+            </a:fld>
+            <a:endParaRPr lang="ru-RU" dirty="0"/>
+          </a:p>
+        </p:txBody>
+      </p:sp>
+    </p:spTree>
+  </p:cSld>
+  <p:clrMapOvr>
+    <a:masterClrMapping/>
+  </p:clrMapOvr>
+  <p:timing>
+    <p:tnLst>
+      <p:par>
+        <p:cTn id="1" dur="indefinite" restart="never" nodeType="tmRoot"/>
+      </p:par>
+    </p:tnLst>
+  </p:timing>
+</p:sld>
+</file>
+
+<file path=ppt/slides/slide6.xml><?xml version="1.0" encoding="utf-8"?>
 <p:sld xmlns:a="http://schemas.openxmlformats.org/drawingml/2006/main" xmlns:r="http://schemas.openxmlformats.org/officeDocument/2006/relationships" xmlns:p="http://schemas.openxmlformats.org/presentationml/2006/main">
   <p:cSld>
     <p:spTree>
@@ -4913,44 +4827,6 @@
       </p:pic>
       <p:sp>
         <p:nvSpPr>
-          <p:cNvPr id="2" name="Заголовок 1"/>
-          <p:cNvSpPr>
-            <a:spLocks noGrp="1"/>
-          </p:cNvSpPr>
-          <p:nvPr>
-            <p:ph type="title"/>
-          </p:nvPr>
-        </p:nvSpPr>
-        <p:spPr/>
-        <p:txBody>
-          <a:bodyPr/>
-          <a:lstStyle/>
-          <a:p>
-            <a:endParaRPr lang="ru-RU" dirty="0"/>
-          </a:p>
-        </p:txBody>
-      </p:sp>
-      <p:sp>
-        <p:nvSpPr>
-          <p:cNvPr id="3" name="Содержимое 2"/>
-          <p:cNvSpPr>
-            <a:spLocks noGrp="1"/>
-          </p:cNvSpPr>
-          <p:nvPr>
-            <p:ph idx="1"/>
-          </p:nvPr>
-        </p:nvSpPr>
-        <p:spPr/>
-        <p:txBody>
-          <a:bodyPr/>
-          <a:lstStyle/>
-          <a:p>
-            <a:endParaRPr lang="ru-RU" dirty="0"/>
-          </a:p>
-        </p:txBody>
-      </p:sp>
-      <p:sp>
-        <p:nvSpPr>
           <p:cNvPr id="4" name="Номер слайда 3"/>
           <p:cNvSpPr>
             <a:spLocks noGrp="1"/>
@@ -4967,7 +4843,7 @@
             <a:fld id="{CF8BA92F-384F-4CC9-95B3-CAC823A31A13}" type="slidenum">
               <a:rPr lang="ru-RU" smtClean="0"/>
               <a:pPr/>
-              <a:t>5</a:t>
+              <a:t>6</a:t>
             </a:fld>
             <a:endParaRPr lang="ru-RU" dirty="0"/>
           </a:p>
@@ -4988,7 +4864,7 @@
 </p:sld>
 </file>
 
-<file path=ppt/slides/slide6.xml><?xml version="1.0" encoding="utf-8"?>
+<file path=ppt/slides/slide7.xml><?xml version="1.0" encoding="utf-8"?>
 <p:sld xmlns:a="http://schemas.openxmlformats.org/drawingml/2006/main" xmlns:r="http://schemas.openxmlformats.org/officeDocument/2006/relationships" xmlns:p="http://schemas.openxmlformats.org/presentationml/2006/main">
   <p:cSld>
     <p:spTree>
@@ -5033,164 +4909,6 @@
       </p:pic>
       <p:sp>
         <p:nvSpPr>
-          <p:cNvPr id="2" name="Заголовок 1"/>
-          <p:cNvSpPr>
-            <a:spLocks noGrp="1"/>
-          </p:cNvSpPr>
-          <p:nvPr>
-            <p:ph type="title"/>
-          </p:nvPr>
-        </p:nvSpPr>
-        <p:spPr/>
-        <p:txBody>
-          <a:bodyPr/>
-          <a:lstStyle/>
-          <a:p>
-            <a:endParaRPr lang="ru-RU"/>
-          </a:p>
-        </p:txBody>
-      </p:sp>
-      <p:sp>
-        <p:nvSpPr>
-          <p:cNvPr id="3" name="Содержимое 2"/>
-          <p:cNvSpPr>
-            <a:spLocks noGrp="1"/>
-          </p:cNvSpPr>
-          <p:nvPr>
-            <p:ph idx="1"/>
-          </p:nvPr>
-        </p:nvSpPr>
-        <p:spPr/>
-        <p:txBody>
-          <a:bodyPr/>
-          <a:lstStyle/>
-          <a:p>
-            <a:endParaRPr lang="ru-RU"/>
-          </a:p>
-        </p:txBody>
-      </p:sp>
-      <p:sp>
-        <p:nvSpPr>
-          <p:cNvPr id="4" name="Номер слайда 3"/>
-          <p:cNvSpPr>
-            <a:spLocks noGrp="1"/>
-          </p:cNvSpPr>
-          <p:nvPr>
-            <p:ph type="sldNum" sz="quarter" idx="12"/>
-          </p:nvPr>
-        </p:nvSpPr>
-        <p:spPr/>
-        <p:txBody>
-          <a:bodyPr/>
-          <a:lstStyle/>
-          <a:p>
-            <a:fld id="{CF8BA92F-384F-4CC9-95B3-CAC823A31A13}" type="slidenum">
-              <a:rPr lang="ru-RU" smtClean="0"/>
-              <a:pPr/>
-              <a:t>6</a:t>
-            </a:fld>
-            <a:endParaRPr lang="ru-RU" dirty="0"/>
-          </a:p>
-        </p:txBody>
-      </p:sp>
-    </p:spTree>
-  </p:cSld>
-  <p:clrMapOvr>
-    <a:masterClrMapping/>
-  </p:clrMapOvr>
-  <p:timing>
-    <p:tnLst>
-      <p:par>
-        <p:cTn id="1" dur="indefinite" restart="never" nodeType="tmRoot"/>
-      </p:par>
-    </p:tnLst>
-  </p:timing>
-</p:sld>
-</file>
-
-<file path=ppt/slides/slide7.xml><?xml version="1.0" encoding="utf-8"?>
-<p:sld xmlns:a="http://schemas.openxmlformats.org/drawingml/2006/main" xmlns:r="http://schemas.openxmlformats.org/officeDocument/2006/relationships" xmlns:p="http://schemas.openxmlformats.org/presentationml/2006/main">
-  <p:cSld>
-    <p:spTree>
-      <p:nvGrpSpPr>
-        <p:cNvPr id="1" name=""/>
-        <p:cNvGrpSpPr/>
-        <p:nvPr/>
-      </p:nvGrpSpPr>
-      <p:grpSpPr>
-        <a:xfrm>
-          <a:off x="0" y="0"/>
-          <a:ext cx="0" cy="0"/>
-          <a:chOff x="0" y="0"/>
-          <a:chExt cx="0" cy="0"/>
-        </a:xfrm>
-      </p:grpSpPr>
-      <p:pic>
-        <p:nvPicPr>
-          <p:cNvPr id="3074" name="Picture 2" descr="C:\project\pics\Choose Level.png"/>
-          <p:cNvPicPr>
-            <a:picLocks noChangeAspect="1" noChangeArrowheads="1"/>
-          </p:cNvPicPr>
-          <p:nvPr/>
-        </p:nvPicPr>
-        <p:blipFill>
-          <a:blip r:embed="rId2" cstate="print"/>
-          <a:srcRect/>
-          <a:stretch>
-            <a:fillRect/>
-          </a:stretch>
-        </p:blipFill>
-        <p:spPr bwMode="auto">
-          <a:xfrm>
-            <a:off x="0" y="-1"/>
-            <a:ext cx="9144000" cy="5143499"/>
-          </a:xfrm>
-          <a:prstGeom prst="rect">
-            <a:avLst/>
-          </a:prstGeom>
-          <a:noFill/>
-        </p:spPr>
-      </p:pic>
-      <p:sp>
-        <p:nvSpPr>
-          <p:cNvPr id="2" name="Заголовок 1"/>
-          <p:cNvSpPr>
-            <a:spLocks noGrp="1"/>
-          </p:cNvSpPr>
-          <p:nvPr>
-            <p:ph type="title"/>
-          </p:nvPr>
-        </p:nvSpPr>
-        <p:spPr/>
-        <p:txBody>
-          <a:bodyPr/>
-          <a:lstStyle/>
-          <a:p>
-            <a:endParaRPr lang="ru-RU"/>
-          </a:p>
-        </p:txBody>
-      </p:sp>
-      <p:sp>
-        <p:nvSpPr>
-          <p:cNvPr id="3" name="Содержимое 2"/>
-          <p:cNvSpPr>
-            <a:spLocks noGrp="1"/>
-          </p:cNvSpPr>
-          <p:nvPr>
-            <p:ph idx="1"/>
-          </p:nvPr>
-        </p:nvSpPr>
-        <p:spPr/>
-        <p:txBody>
-          <a:bodyPr/>
-          <a:lstStyle/>
-          <a:p>
-            <a:endParaRPr lang="ru-RU"/>
-          </a:p>
-        </p:txBody>
-      </p:sp>
-      <p:sp>
-        <p:nvSpPr>
           <p:cNvPr id="4" name="Номер слайда 3"/>
           <p:cNvSpPr>
             <a:spLocks noGrp="1"/>
@@ -5245,70 +4963,54 @@
           <a:chExt cx="0" cy="0"/>
         </a:xfrm>
       </p:grpSpPr>
+      <p:sp>
+        <p:nvSpPr>
+          <p:cNvPr id="2" name="Заголовок 1"/>
+          <p:cNvSpPr>
+            <a:spLocks noGrp="1"/>
+          </p:cNvSpPr>
+          <p:nvPr>
+            <p:ph type="title"/>
+          </p:nvPr>
+        </p:nvSpPr>
+        <p:spPr/>
+        <p:txBody>
+          <a:bodyPr/>
+          <a:lstStyle/>
+          <a:p>
+            <a:endParaRPr lang="ru-RU"/>
+          </a:p>
+        </p:txBody>
+      </p:sp>
       <p:pic>
         <p:nvPicPr>
-          <p:cNvPr id="4098" name="Picture 2" descr="C:\project\pics\Lobby.png"/>
+          <p:cNvPr id="5" name="Объект 4"/>
           <p:cNvPicPr>
-            <a:picLocks noChangeAspect="1" noChangeArrowheads="1"/>
+            <a:picLocks noGrp="1" noChangeAspect="1"/>
           </p:cNvPicPr>
-          <p:nvPr/>
+          <p:nvPr>
+            <p:ph idx="1"/>
+          </p:nvPr>
         </p:nvPicPr>
         <p:blipFill>
-          <a:blip r:embed="rId2" cstate="print"/>
-          <a:srcRect/>
+          <a:blip r:embed="rId2">
+            <a:extLst>
+              <a:ext uri="{28A0092B-C50C-407E-A947-70E740481C1C}">
+                <a14:useLocalDpi xmlns:a14="http://schemas.microsoft.com/office/drawing/2010/main" val="0"/>
+              </a:ext>
+            </a:extLst>
+          </a:blip>
           <a:stretch>
             <a:fillRect/>
           </a:stretch>
         </p:blipFill>
-        <p:spPr bwMode="auto">
+        <p:spPr>
           <a:xfrm>
             <a:off x="0" y="0"/>
-            <a:ext cx="9144001" cy="5143500"/>
+            <a:ext cx="9144000" cy="5143500"/>
           </a:xfrm>
-          <a:prstGeom prst="rect">
-            <a:avLst/>
-          </a:prstGeom>
-          <a:noFill/>
         </p:spPr>
       </p:pic>
-      <p:sp>
-        <p:nvSpPr>
-          <p:cNvPr id="2" name="Заголовок 1"/>
-          <p:cNvSpPr>
-            <a:spLocks noGrp="1"/>
-          </p:cNvSpPr>
-          <p:nvPr>
-            <p:ph type="title"/>
-          </p:nvPr>
-        </p:nvSpPr>
-        <p:spPr/>
-        <p:txBody>
-          <a:bodyPr/>
-          <a:lstStyle/>
-          <a:p>
-            <a:endParaRPr lang="ru-RU"/>
-          </a:p>
-        </p:txBody>
-      </p:sp>
-      <p:sp>
-        <p:nvSpPr>
-          <p:cNvPr id="3" name="Содержимое 2"/>
-          <p:cNvSpPr>
-            <a:spLocks noGrp="1"/>
-          </p:cNvSpPr>
-          <p:nvPr>
-            <p:ph idx="1"/>
-          </p:nvPr>
-        </p:nvSpPr>
-        <p:spPr/>
-        <p:txBody>
-          <a:bodyPr/>
-          <a:lstStyle/>
-          <a:p>
-            <a:endParaRPr lang="ru-RU"/>
-          </a:p>
-        </p:txBody>
-      </p:sp>
       <p:sp>
         <p:nvSpPr>
           <p:cNvPr id="4" name="Номер слайда 3"/>
@@ -5391,44 +5093,6 @@
           <a:noFill/>
         </p:spPr>
       </p:pic>
-      <p:sp>
-        <p:nvSpPr>
-          <p:cNvPr id="2" name="Заголовок 1"/>
-          <p:cNvSpPr>
-            <a:spLocks noGrp="1"/>
-          </p:cNvSpPr>
-          <p:nvPr>
-            <p:ph type="title"/>
-          </p:nvPr>
-        </p:nvSpPr>
-        <p:spPr/>
-        <p:txBody>
-          <a:bodyPr/>
-          <a:lstStyle/>
-          <a:p>
-            <a:endParaRPr lang="ru-RU"/>
-          </a:p>
-        </p:txBody>
-      </p:sp>
-      <p:sp>
-        <p:nvSpPr>
-          <p:cNvPr id="3" name="Содержимое 2"/>
-          <p:cNvSpPr>
-            <a:spLocks noGrp="1"/>
-          </p:cNvSpPr>
-          <p:nvPr>
-            <p:ph idx="1"/>
-          </p:nvPr>
-        </p:nvSpPr>
-        <p:spPr/>
-        <p:txBody>
-          <a:bodyPr/>
-          <a:lstStyle/>
-          <a:p>
-            <a:endParaRPr lang="ru-RU"/>
-          </a:p>
-        </p:txBody>
-      </p:sp>
       <p:sp>
         <p:nvSpPr>
           <p:cNvPr id="4" name="Номер слайда 3"/>

--- a/presentation.pptx
+++ b/presentation.pptx
@@ -222,7 +222,7 @@
             <a:fld id="{FC4C7484-A978-4228-928A-7BEE3E9B3761}" type="datetimeFigureOut">
               <a:rPr lang="ru-RU" smtClean="0"/>
               <a:pPr/>
-              <a:t>19.11.2019</a:t>
+              <a:t>21.11.2019</a:t>
             </a:fld>
             <a:endParaRPr lang="ru-RU"/>
           </a:p>
@@ -849,7 +849,7 @@
             <a:fld id="{1C48ADC7-6284-4563-A53C-8C801AB1E89B}" type="datetime1">
               <a:rPr lang="ru-RU" smtClean="0"/>
               <a:pPr/>
-              <a:t>19.11.2019</a:t>
+              <a:t>21.11.2019</a:t>
             </a:fld>
             <a:endParaRPr lang="ru-RU"/>
           </a:p>
@@ -1016,7 +1016,7 @@
             <a:fld id="{7DC3E7C5-BD2E-4374-9AE9-6F406573A3F6}" type="datetime1">
               <a:rPr lang="ru-RU" smtClean="0"/>
               <a:pPr/>
-              <a:t>19.11.2019</a:t>
+              <a:t>21.11.2019</a:t>
             </a:fld>
             <a:endParaRPr lang="ru-RU"/>
           </a:p>
@@ -1193,7 +1193,7 @@
             <a:fld id="{E8BE84D2-797E-4840-9869-3727362FABF0}" type="datetime1">
               <a:rPr lang="ru-RU" smtClean="0"/>
               <a:pPr/>
-              <a:t>19.11.2019</a:t>
+              <a:t>21.11.2019</a:t>
             </a:fld>
             <a:endParaRPr lang="ru-RU"/>
           </a:p>
@@ -1360,7 +1360,7 @@
             <a:fld id="{2DA0F686-D3B8-4DB8-86AF-2412A36A9BCA}" type="datetime1">
               <a:rPr lang="ru-RU" smtClean="0"/>
               <a:pPr/>
-              <a:t>19.11.2019</a:t>
+              <a:t>21.11.2019</a:t>
             </a:fld>
             <a:endParaRPr lang="ru-RU"/>
           </a:p>
@@ -1612,7 +1612,7 @@
             <a:fld id="{685FBB0C-073D-42FE-9C0C-D44F87DD1C8C}" type="datetime1">
               <a:rPr lang="ru-RU" smtClean="0"/>
               <a:pPr/>
-              <a:t>19.11.2019</a:t>
+              <a:t>21.11.2019</a:t>
             </a:fld>
             <a:endParaRPr lang="ru-RU"/>
           </a:p>
@@ -1897,7 +1897,7 @@
             <a:fld id="{6D5C234A-9CA2-4B5E-A067-2EAA5819AEB0}" type="datetime1">
               <a:rPr lang="ru-RU" smtClean="0"/>
               <a:pPr/>
-              <a:t>19.11.2019</a:t>
+              <a:t>21.11.2019</a:t>
             </a:fld>
             <a:endParaRPr lang="ru-RU"/>
           </a:p>
@@ -2316,7 +2316,7 @@
             <a:fld id="{AF592190-F8CA-42E7-B736-BAD7F3246283}" type="datetime1">
               <a:rPr lang="ru-RU" smtClean="0"/>
               <a:pPr/>
-              <a:t>19.11.2019</a:t>
+              <a:t>21.11.2019</a:t>
             </a:fld>
             <a:endParaRPr lang="ru-RU"/>
           </a:p>
@@ -2431,7 +2431,7 @@
             <a:fld id="{21CFE62A-C266-4BC2-B5C3-C25626D8874C}" type="datetime1">
               <a:rPr lang="ru-RU" smtClean="0"/>
               <a:pPr/>
-              <a:t>19.11.2019</a:t>
+              <a:t>21.11.2019</a:t>
             </a:fld>
             <a:endParaRPr lang="ru-RU"/>
           </a:p>
@@ -2523,7 +2523,7 @@
             <a:fld id="{4C8739B2-4332-4B3A-B293-870BC0DA1E91}" type="datetime1">
               <a:rPr lang="ru-RU" smtClean="0"/>
               <a:pPr/>
-              <a:t>19.11.2019</a:t>
+              <a:t>21.11.2019</a:t>
             </a:fld>
             <a:endParaRPr lang="ru-RU"/>
           </a:p>
@@ -2797,7 +2797,7 @@
             <a:fld id="{658AD996-0705-4515-8E87-11DDA260570B}" type="datetime1">
               <a:rPr lang="ru-RU" smtClean="0"/>
               <a:pPr/>
-              <a:t>19.11.2019</a:t>
+              <a:t>21.11.2019</a:t>
             </a:fld>
             <a:endParaRPr lang="ru-RU"/>
           </a:p>
@@ -3047,7 +3047,7 @@
             <a:fld id="{4586EB43-EF2F-4D6F-8CAB-0790E0CAE656}" type="datetime1">
               <a:rPr lang="ru-RU" smtClean="0"/>
               <a:pPr/>
-              <a:t>19.11.2019</a:t>
+              <a:t>21.11.2019</a:t>
             </a:fld>
             <a:endParaRPr lang="ru-RU"/>
           </a:p>
@@ -3257,7 +3257,7 @@
             <a:fld id="{F0B1AFF6-565C-4119-BE90-8A13757FD619}" type="datetime1">
               <a:rPr lang="ru-RU" smtClean="0"/>
               <a:pPr/>
-              <a:t>19.11.2019</a:t>
+              <a:t>21.11.2019</a:t>
             </a:fld>
             <a:endParaRPr lang="ru-RU"/>
           </a:p>
@@ -3641,7 +3641,7 @@
         </p:nvSpPr>
         <p:spPr>
           <a:xfrm>
-            <a:off x="683568" y="987574"/>
+            <a:off x="683568" y="843558"/>
             <a:ext cx="7772400" cy="1102519"/>
           </a:xfrm>
         </p:spPr>
@@ -3679,8 +3679,8 @@
         </p:nvSpPr>
         <p:spPr>
           <a:xfrm>
-            <a:off x="1369368" y="2304404"/>
-            <a:ext cx="6400800" cy="2715617"/>
+            <a:off x="1369368" y="2859782"/>
+            <a:ext cx="6400800" cy="1851522"/>
           </a:xfrm>
         </p:spPr>
         <p:txBody>
@@ -3690,63 +3690,249 @@
           <a:lstStyle/>
           <a:p>
             <a:r>
-              <a:rPr lang="en-US" sz="2800" dirty="0"/>
+              <a:rPr lang="en-US" sz="2000" dirty="0" smtClean="0"/>
+              <a:t>Team </a:t>
+            </a:r>
+            <a:r>
+              <a:rPr lang="en-US" sz="2000" dirty="0" smtClean="0"/>
+              <a:t>members:</a:t>
+            </a:r>
+          </a:p>
+          <a:p>
+            <a:r>
+              <a:rPr lang="en-US" sz="2000" dirty="0" smtClean="0"/>
+              <a:t>V.V. </a:t>
+            </a:r>
+            <a:r>
+              <a:rPr lang="en-US" sz="2000" dirty="0" err="1" smtClean="0"/>
+              <a:t>Chernikov</a:t>
+            </a:r>
+            <a:endParaRPr lang="en-US" sz="2000" dirty="0" smtClean="0"/>
+          </a:p>
+          <a:p>
+            <a:r>
+              <a:rPr lang="en-US" sz="2000" dirty="0" smtClean="0"/>
+              <a:t>O.S. </a:t>
+            </a:r>
+            <a:r>
+              <a:rPr lang="en-US" sz="2000" dirty="0" err="1" smtClean="0"/>
+              <a:t>Markelov</a:t>
+            </a:r>
+            <a:endParaRPr lang="en-US" sz="2000" dirty="0" smtClean="0"/>
+          </a:p>
+          <a:p>
+            <a:r>
+              <a:rPr lang="en-US" sz="2000" dirty="0"/>
+              <a:t>S.O. </a:t>
+            </a:r>
+            <a:r>
+              <a:rPr lang="en-US" sz="2000" dirty="0" err="1" smtClean="0"/>
+              <a:t>Morozov</a:t>
+            </a:r>
+            <a:endParaRPr lang="en-US" sz="2000" dirty="0" smtClean="0"/>
+          </a:p>
+          <a:p>
+            <a:r>
+              <a:rPr lang="en-US" sz="2000" dirty="0" smtClean="0"/>
+              <a:t>I.V. </a:t>
+            </a:r>
+            <a:r>
+              <a:rPr lang="en-US" sz="2000" dirty="0" err="1" smtClean="0"/>
+              <a:t>Shatalov</a:t>
+            </a:r>
+            <a:endParaRPr lang="en-US" sz="2000" dirty="0" smtClean="0"/>
+          </a:p>
+          <a:p>
+            <a:endParaRPr lang="ru-RU" dirty="0"/>
+          </a:p>
+        </p:txBody>
+      </p:sp>
+      <p:sp>
+        <p:nvSpPr>
+          <p:cNvPr id="4" name="Подзаголовок 2"/>
+          <p:cNvSpPr txBox="1">
+            <a:spLocks/>
+          </p:cNvSpPr>
+          <p:nvPr/>
+        </p:nvSpPr>
+        <p:spPr>
+          <a:xfrm>
+            <a:off x="3205572" y="1973299"/>
+            <a:ext cx="2728392" cy="543549"/>
+          </a:xfrm>
+          <a:prstGeom prst="rect">
+            <a:avLst/>
+          </a:prstGeom>
+        </p:spPr>
+        <p:txBody>
+          <a:bodyPr vert="horz" lIns="91440" tIns="45720" rIns="91440" bIns="45720" rtlCol="0">
+            <a:noAutofit/>
+          </a:bodyPr>
+          <a:lstStyle>
+            <a:lvl1pPr marL="0" indent="0" algn="ctr" defTabSz="914400" rtl="0" eaLnBrk="1" latinLnBrk="0" hangingPunct="1">
+              <a:spcBef>
+                <a:spcPct val="20000"/>
+              </a:spcBef>
+              <a:buFont typeface="Arial" pitchFamily="34" charset="0"/>
+              <a:buNone/>
+              <a:defRPr sz="3200" kern="1200">
+                <a:solidFill>
+                  <a:schemeClr val="tx1">
+                    <a:tint val="75000"/>
+                  </a:schemeClr>
+                </a:solidFill>
+                <a:latin typeface="+mn-lt"/>
+                <a:ea typeface="+mn-ea"/>
+                <a:cs typeface="+mn-cs"/>
+              </a:defRPr>
+            </a:lvl1pPr>
+            <a:lvl2pPr marL="457200" indent="0" algn="ctr" defTabSz="914400" rtl="0" eaLnBrk="1" latinLnBrk="0" hangingPunct="1">
+              <a:spcBef>
+                <a:spcPct val="20000"/>
+              </a:spcBef>
+              <a:buFont typeface="Arial" pitchFamily="34" charset="0"/>
+              <a:buNone/>
+              <a:defRPr sz="2800" kern="1200">
+                <a:solidFill>
+                  <a:schemeClr val="tx1">
+                    <a:tint val="75000"/>
+                  </a:schemeClr>
+                </a:solidFill>
+                <a:latin typeface="+mn-lt"/>
+                <a:ea typeface="+mn-ea"/>
+                <a:cs typeface="+mn-cs"/>
+              </a:defRPr>
+            </a:lvl2pPr>
+            <a:lvl3pPr marL="914400" indent="0" algn="ctr" defTabSz="914400" rtl="0" eaLnBrk="1" latinLnBrk="0" hangingPunct="1">
+              <a:spcBef>
+                <a:spcPct val="20000"/>
+              </a:spcBef>
+              <a:buFont typeface="Arial" pitchFamily="34" charset="0"/>
+              <a:buNone/>
+              <a:defRPr sz="2400" kern="1200">
+                <a:solidFill>
+                  <a:schemeClr val="tx1">
+                    <a:tint val="75000"/>
+                  </a:schemeClr>
+                </a:solidFill>
+                <a:latin typeface="+mn-lt"/>
+                <a:ea typeface="+mn-ea"/>
+                <a:cs typeface="+mn-cs"/>
+              </a:defRPr>
+            </a:lvl3pPr>
+            <a:lvl4pPr marL="1371600" indent="0" algn="ctr" defTabSz="914400" rtl="0" eaLnBrk="1" latinLnBrk="0" hangingPunct="1">
+              <a:spcBef>
+                <a:spcPct val="20000"/>
+              </a:spcBef>
+              <a:buFont typeface="Arial" pitchFamily="34" charset="0"/>
+              <a:buNone/>
+              <a:defRPr sz="2000" kern="1200">
+                <a:solidFill>
+                  <a:schemeClr val="tx1">
+                    <a:tint val="75000"/>
+                  </a:schemeClr>
+                </a:solidFill>
+                <a:latin typeface="+mn-lt"/>
+                <a:ea typeface="+mn-ea"/>
+                <a:cs typeface="+mn-cs"/>
+              </a:defRPr>
+            </a:lvl4pPr>
+            <a:lvl5pPr marL="1828800" indent="0" algn="ctr" defTabSz="914400" rtl="0" eaLnBrk="1" latinLnBrk="0" hangingPunct="1">
+              <a:spcBef>
+                <a:spcPct val="20000"/>
+              </a:spcBef>
+              <a:buFont typeface="Arial" pitchFamily="34" charset="0"/>
+              <a:buNone/>
+              <a:defRPr sz="2000" kern="1200">
+                <a:solidFill>
+                  <a:schemeClr val="tx1">
+                    <a:tint val="75000"/>
+                  </a:schemeClr>
+                </a:solidFill>
+                <a:latin typeface="+mn-lt"/>
+                <a:ea typeface="+mn-ea"/>
+                <a:cs typeface="+mn-cs"/>
+              </a:defRPr>
+            </a:lvl5pPr>
+            <a:lvl6pPr marL="2286000" indent="0" algn="ctr" defTabSz="914400" rtl="0" eaLnBrk="1" latinLnBrk="0" hangingPunct="1">
+              <a:spcBef>
+                <a:spcPct val="20000"/>
+              </a:spcBef>
+              <a:buFont typeface="Arial" pitchFamily="34" charset="0"/>
+              <a:buNone/>
+              <a:defRPr sz="2000" kern="1200">
+                <a:solidFill>
+                  <a:schemeClr val="tx1">
+                    <a:tint val="75000"/>
+                  </a:schemeClr>
+                </a:solidFill>
+                <a:latin typeface="+mn-lt"/>
+                <a:ea typeface="+mn-ea"/>
+                <a:cs typeface="+mn-cs"/>
+              </a:defRPr>
+            </a:lvl6pPr>
+            <a:lvl7pPr marL="2743200" indent="0" algn="ctr" defTabSz="914400" rtl="0" eaLnBrk="1" latinLnBrk="0" hangingPunct="1">
+              <a:spcBef>
+                <a:spcPct val="20000"/>
+              </a:spcBef>
+              <a:buFont typeface="Arial" pitchFamily="34" charset="0"/>
+              <a:buNone/>
+              <a:defRPr sz="2000" kern="1200">
+                <a:solidFill>
+                  <a:schemeClr val="tx1">
+                    <a:tint val="75000"/>
+                  </a:schemeClr>
+                </a:solidFill>
+                <a:latin typeface="+mn-lt"/>
+                <a:ea typeface="+mn-ea"/>
+                <a:cs typeface="+mn-cs"/>
+              </a:defRPr>
+            </a:lvl7pPr>
+            <a:lvl8pPr marL="3200400" indent="0" algn="ctr" defTabSz="914400" rtl="0" eaLnBrk="1" latinLnBrk="0" hangingPunct="1">
+              <a:spcBef>
+                <a:spcPct val="20000"/>
+              </a:spcBef>
+              <a:buFont typeface="Arial" pitchFamily="34" charset="0"/>
+              <a:buNone/>
+              <a:defRPr sz="2000" kern="1200">
+                <a:solidFill>
+                  <a:schemeClr val="tx1">
+                    <a:tint val="75000"/>
+                  </a:schemeClr>
+                </a:solidFill>
+                <a:latin typeface="+mn-lt"/>
+                <a:ea typeface="+mn-ea"/>
+                <a:cs typeface="+mn-cs"/>
+              </a:defRPr>
+            </a:lvl8pPr>
+            <a:lvl9pPr marL="3657600" indent="0" algn="ctr" defTabSz="914400" rtl="0" eaLnBrk="1" latinLnBrk="0" hangingPunct="1">
+              <a:spcBef>
+                <a:spcPct val="20000"/>
+              </a:spcBef>
+              <a:buFont typeface="Arial" pitchFamily="34" charset="0"/>
+              <a:buNone/>
+              <a:defRPr sz="2000" kern="1200">
+                <a:solidFill>
+                  <a:schemeClr val="tx1">
+                    <a:tint val="75000"/>
+                  </a:schemeClr>
+                </a:solidFill>
+                <a:latin typeface="+mn-lt"/>
+                <a:ea typeface="+mn-ea"/>
+                <a:cs typeface="+mn-cs"/>
+              </a:defRPr>
+            </a:lvl9pPr>
+          </a:lstStyle>
+          <a:p>
+            <a:r>
+              <a:rPr lang="en-US" sz="2800" dirty="0" smtClean="0"/>
               <a:t>S.O. </a:t>
             </a:r>
             <a:r>
               <a:rPr lang="en-US" sz="2800" dirty="0" err="1" smtClean="0"/>
               <a:t>Morozov</a:t>
             </a:r>
-            <a:endParaRPr lang="en-US" sz="2800" dirty="0"/>
-          </a:p>
-          <a:p>
-            <a:endParaRPr lang="en-US" sz="1000" dirty="0"/>
-          </a:p>
-          <a:p>
-            <a:r>
-              <a:rPr lang="en-US" sz="2000" dirty="0" smtClean="0"/>
-              <a:t>Team members:</a:t>
-            </a:r>
-          </a:p>
-          <a:p>
-            <a:r>
-              <a:rPr lang="en-US" sz="2000" dirty="0" smtClean="0"/>
-              <a:t>V.V. </a:t>
-            </a:r>
-            <a:r>
-              <a:rPr lang="en-US" sz="2000" dirty="0" err="1" smtClean="0"/>
-              <a:t>Chernikov</a:t>
-            </a:r>
-            <a:endParaRPr lang="en-US" sz="2000" dirty="0" smtClean="0"/>
-          </a:p>
-          <a:p>
-            <a:r>
-              <a:rPr lang="en-US" sz="2000" dirty="0" smtClean="0"/>
-              <a:t>O.S</a:t>
-            </a:r>
-            <a:r>
-              <a:rPr lang="en-US" sz="2000" dirty="0" smtClean="0"/>
-              <a:t>. </a:t>
-            </a:r>
-            <a:r>
-              <a:rPr lang="en-US" sz="2000" dirty="0" err="1" smtClean="0"/>
-              <a:t>Markelov</a:t>
-            </a:r>
-            <a:endParaRPr lang="en-US" sz="2000" dirty="0" smtClean="0"/>
-          </a:p>
-          <a:p>
-            <a:r>
-              <a:rPr lang="en-US" sz="2000" dirty="0" smtClean="0"/>
-              <a:t>I.V. </a:t>
-            </a:r>
-            <a:r>
-              <a:rPr lang="en-US" sz="2000" dirty="0" err="1" smtClean="0"/>
-              <a:t>Shatalov</a:t>
-            </a:r>
-            <a:endParaRPr lang="en-US" sz="2000" dirty="0" smtClean="0"/>
-          </a:p>
-          <a:p>
-            <a:endParaRPr lang="ru-RU" dirty="0"/>
+            <a:endParaRPr lang="en-US" sz="2800" dirty="0" smtClean="0"/>
           </a:p>
         </p:txBody>
       </p:sp>
@@ -4363,23 +4549,7 @@
           <a:p>
             <a:r>
               <a:rPr lang="en-US" dirty="0" smtClean="0"/>
-              <a:t>Students learn by submitting </a:t>
-            </a:r>
-            <a:r>
-              <a:rPr lang="en-US" dirty="0" smtClean="0"/>
-              <a:t>programs </a:t>
-            </a:r>
-            <a:r>
-              <a:rPr lang="en-US" dirty="0" smtClean="0"/>
-              <a:t>for </a:t>
-            </a:r>
-            <a:r>
-              <a:rPr lang="en-US" dirty="0" smtClean="0"/>
-              <a:t>robots that operate on levels </a:t>
-            </a:r>
-            <a:r>
-              <a:rPr lang="en-US" dirty="0" smtClean="0"/>
-              <a:t>created by a teacher</a:t>
+              <a:t>Students learn by submitting programs for robots that operate on levels created by a teacher</a:t>
             </a:r>
             <a:endParaRPr lang="ru-RU" dirty="0"/>
           </a:p>
@@ -4606,7 +4776,6 @@
               <a:rPr lang="en-US" dirty="0" smtClean="0"/>
               <a:t>solutions</a:t>
             </a:r>
-            <a:endParaRPr lang="en-US" dirty="0" smtClean="0"/>
           </a:p>
           <a:p>
             <a:r>
